--- a/Flowchart.pptx
+++ b/Flowchart.pptx
@@ -105,6 +105,11 @@
       </a:defRPr>
     </a:lvl9pPr>
   </p:defaultTextStyle>
+  <p:extLst>
+    <p:ext uri="{EFAFB233-063F-42B5-8137-9DF3F51BA10A}">
+      <p15:sldGuideLst xmlns:p15="http://schemas.microsoft.com/office/powerpoint/2012/main"/>
+    </p:ext>
+  </p:extLst>
 </p:presentation>
 </file>
 
@@ -456,6 +461,621 @@
             <pc:docMk/>
             <pc:sldMk cId="634386444" sldId="257"/>
             <ac:cxnSpMk id="35" creationId="{3BA41B66-27D3-4D5D-858C-A63480B8E93B}"/>
+          </ac:cxnSpMkLst>
+        </pc:cxnChg>
+      </pc:sldChg>
+    </pc:docChg>
+  </pc:docChgLst>
+  <pc:docChgLst>
+    <pc:chgData userId="454ce11f11b1bd2c" providerId="LiveId" clId="{289F7100-A0AE-4F4D-90ED-69A38A28A15E}"/>
+    <pc:docChg chg="undo custSel modSld">
+      <pc:chgData name="" userId="454ce11f11b1bd2c" providerId="LiveId" clId="{289F7100-A0AE-4F4D-90ED-69A38A28A15E}" dt="2020-12-09T20:23:51.845" v="225" actId="1076"/>
+      <pc:docMkLst>
+        <pc:docMk/>
+      </pc:docMkLst>
+      <pc:sldChg chg="addSp delSp modSp">
+        <pc:chgData name="" userId="454ce11f11b1bd2c" providerId="LiveId" clId="{289F7100-A0AE-4F4D-90ED-69A38A28A15E}" dt="2020-12-09T03:56:03.223" v="109" actId="1076"/>
+        <pc:sldMkLst>
+          <pc:docMk/>
+          <pc:sldMk cId="3865759111" sldId="256"/>
+        </pc:sldMkLst>
+        <pc:spChg chg="mod">
+          <ac:chgData name="" userId="454ce11f11b1bd2c" providerId="LiveId" clId="{289F7100-A0AE-4F4D-90ED-69A38A28A15E}" dt="2020-12-09T03:53:49.587" v="84" actId="1076"/>
+          <ac:spMkLst>
+            <pc:docMk/>
+            <pc:sldMk cId="3865759111" sldId="256"/>
+            <ac:spMk id="4" creationId="{6CE77170-CC02-4E7F-B1E8-CEE796E17559}"/>
+          </ac:spMkLst>
+        </pc:spChg>
+        <pc:spChg chg="mod">
+          <ac:chgData name="" userId="454ce11f11b1bd2c" providerId="LiveId" clId="{289F7100-A0AE-4F4D-90ED-69A38A28A15E}" dt="2020-12-09T03:53:58.391" v="87" actId="1076"/>
+          <ac:spMkLst>
+            <pc:docMk/>
+            <pc:sldMk cId="3865759111" sldId="256"/>
+            <ac:spMk id="5" creationId="{3BD44E0C-AC4F-4034-98F9-D17BDA72EA51}"/>
+          </ac:spMkLst>
+        </pc:spChg>
+        <pc:spChg chg="mod">
+          <ac:chgData name="" userId="454ce11f11b1bd2c" providerId="LiveId" clId="{289F7100-A0AE-4F4D-90ED-69A38A28A15E}" dt="2020-12-09T03:52:57.253" v="48" actId="1076"/>
+          <ac:spMkLst>
+            <pc:docMk/>
+            <pc:sldMk cId="3865759111" sldId="256"/>
+            <ac:spMk id="6" creationId="{4CB05274-EE58-4957-AFDC-6B9ADA625BA3}"/>
+          </ac:spMkLst>
+        </pc:spChg>
+        <pc:spChg chg="mod">
+          <ac:chgData name="" userId="454ce11f11b1bd2c" providerId="LiveId" clId="{289F7100-A0AE-4F4D-90ED-69A38A28A15E}" dt="2020-12-09T03:52:57.253" v="48" actId="1076"/>
+          <ac:spMkLst>
+            <pc:docMk/>
+            <pc:sldMk cId="3865759111" sldId="256"/>
+            <ac:spMk id="7" creationId="{FF171F25-0AF4-44AB-8F46-C9CCFBA4F53A}"/>
+          </ac:spMkLst>
+        </pc:spChg>
+        <pc:spChg chg="del">
+          <ac:chgData name="" userId="454ce11f11b1bd2c" providerId="LiveId" clId="{289F7100-A0AE-4F4D-90ED-69A38A28A15E}" dt="2020-12-09T03:51:00.979" v="28" actId="478"/>
+          <ac:spMkLst>
+            <pc:docMk/>
+            <pc:sldMk cId="3865759111" sldId="256"/>
+            <ac:spMk id="8" creationId="{962A6C8D-E7B7-4FC9-B135-F8AB57C2A66E}"/>
+          </ac:spMkLst>
+        </pc:spChg>
+        <pc:spChg chg="mod">
+          <ac:chgData name="" userId="454ce11f11b1bd2c" providerId="LiveId" clId="{289F7100-A0AE-4F4D-90ED-69A38A28A15E}" dt="2020-12-09T03:52:57.253" v="48" actId="1076"/>
+          <ac:spMkLst>
+            <pc:docMk/>
+            <pc:sldMk cId="3865759111" sldId="256"/>
+            <ac:spMk id="9" creationId="{F7AE485E-FCAD-41A5-98B4-A92BBFE9FB5F}"/>
+          </ac:spMkLst>
+        </pc:spChg>
+        <pc:spChg chg="add mod">
+          <ac:chgData name="" userId="454ce11f11b1bd2c" providerId="LiveId" clId="{289F7100-A0AE-4F4D-90ED-69A38A28A15E}" dt="2020-12-09T03:54:24.665" v="92" actId="20577"/>
+          <ac:spMkLst>
+            <pc:docMk/>
+            <pc:sldMk cId="3865759111" sldId="256"/>
+            <ac:spMk id="30" creationId="{57E4C9C3-6BD0-4A32-BBB8-AD98A59EF84B}"/>
+          </ac:spMkLst>
+        </pc:spChg>
+        <pc:spChg chg="mod">
+          <ac:chgData name="" userId="454ce11f11b1bd2c" providerId="LiveId" clId="{289F7100-A0AE-4F4D-90ED-69A38A28A15E}" dt="2020-12-09T03:56:03.223" v="109" actId="1076"/>
+          <ac:spMkLst>
+            <pc:docMk/>
+            <pc:sldMk cId="3865759111" sldId="256"/>
+            <ac:spMk id="32" creationId="{B47425A9-BBF0-44E4-B264-483C5C58E20E}"/>
+          </ac:spMkLst>
+        </pc:spChg>
+        <pc:spChg chg="mod">
+          <ac:chgData name="" userId="454ce11f11b1bd2c" providerId="LiveId" clId="{289F7100-A0AE-4F4D-90ED-69A38A28A15E}" dt="2020-12-09T03:56:03.223" v="109" actId="1076"/>
+          <ac:spMkLst>
+            <pc:docMk/>
+            <pc:sldMk cId="3865759111" sldId="256"/>
+            <ac:spMk id="35" creationId="{AEF1D54E-5F60-4C21-BF3E-C5A7D0EDEACB}"/>
+          </ac:spMkLst>
+        </pc:spChg>
+        <pc:picChg chg="mod">
+          <ac:chgData name="" userId="454ce11f11b1bd2c" providerId="LiveId" clId="{289F7100-A0AE-4F4D-90ED-69A38A28A15E}" dt="2020-12-09T03:56:03.223" v="109" actId="1076"/>
+          <ac:picMkLst>
+            <pc:docMk/>
+            <pc:sldMk cId="3865759111" sldId="256"/>
+            <ac:picMk id="34" creationId="{EC0FDECD-B511-4FA8-8ABD-FBE50A19AAC3}"/>
+          </ac:picMkLst>
+        </pc:picChg>
+        <pc:cxnChg chg="add mod">
+          <ac:chgData name="" userId="454ce11f11b1bd2c" providerId="LiveId" clId="{289F7100-A0AE-4F4D-90ED-69A38A28A15E}" dt="2020-12-09T03:52:57.253" v="48" actId="1076"/>
+          <ac:cxnSpMkLst>
+            <pc:docMk/>
+            <pc:sldMk cId="3865759111" sldId="256"/>
+            <ac:cxnSpMk id="11" creationId="{9AA3855F-53F3-4C52-AE6C-A4DF3BF51C5E}"/>
+          </ac:cxnSpMkLst>
+        </pc:cxnChg>
+        <pc:cxnChg chg="mod">
+          <ac:chgData name="" userId="454ce11f11b1bd2c" providerId="LiveId" clId="{289F7100-A0AE-4F4D-90ED-69A38A28A15E}" dt="2020-12-09T03:54:14.527" v="89" actId="14100"/>
+          <ac:cxnSpMkLst>
+            <pc:docMk/>
+            <pc:sldMk cId="3865759111" sldId="256"/>
+            <ac:cxnSpMk id="12" creationId="{7BF3D8A5-7F95-44F4-8897-4E3F5D2A7B40}"/>
+          </ac:cxnSpMkLst>
+        </pc:cxnChg>
+        <pc:cxnChg chg="mod">
+          <ac:chgData name="" userId="454ce11f11b1bd2c" providerId="LiveId" clId="{289F7100-A0AE-4F4D-90ED-69A38A28A15E}" dt="2020-12-09T03:53:49.587" v="84" actId="1076"/>
+          <ac:cxnSpMkLst>
+            <pc:docMk/>
+            <pc:sldMk cId="3865759111" sldId="256"/>
+            <ac:cxnSpMk id="14" creationId="{C555B5BB-1E2F-42D6-8F5E-A1A1BEAE163D}"/>
+          </ac:cxnSpMkLst>
+        </pc:cxnChg>
+        <pc:cxnChg chg="mod">
+          <ac:chgData name="" userId="454ce11f11b1bd2c" providerId="LiveId" clId="{289F7100-A0AE-4F4D-90ED-69A38A28A15E}" dt="2020-12-09T03:55:56.044" v="108" actId="14100"/>
+          <ac:cxnSpMkLst>
+            <pc:docMk/>
+            <pc:sldMk cId="3865759111" sldId="256"/>
+            <ac:cxnSpMk id="16" creationId="{B5D1B1B9-CF58-4AE4-8FC2-C3A0AA1D085A}"/>
+          </ac:cxnSpMkLst>
+        </pc:cxnChg>
+        <pc:cxnChg chg="del mod">
+          <ac:chgData name="" userId="454ce11f11b1bd2c" providerId="LiveId" clId="{289F7100-A0AE-4F4D-90ED-69A38A28A15E}" dt="2020-12-09T03:51:11.313" v="31" actId="478"/>
+          <ac:cxnSpMkLst>
+            <pc:docMk/>
+            <pc:sldMk cId="3865759111" sldId="256"/>
+            <ac:cxnSpMk id="19" creationId="{9EB5CB5A-C9C8-4B6F-BCCC-5F9CD2412FEB}"/>
+          </ac:cxnSpMkLst>
+        </pc:cxnChg>
+        <pc:cxnChg chg="del mod">
+          <ac:chgData name="" userId="454ce11f11b1bd2c" providerId="LiveId" clId="{289F7100-A0AE-4F4D-90ED-69A38A28A15E}" dt="2020-12-09T03:50:58.304" v="27" actId="478"/>
+          <ac:cxnSpMkLst>
+            <pc:docMk/>
+            <pc:sldMk cId="3865759111" sldId="256"/>
+            <ac:cxnSpMk id="21" creationId="{2119419A-C8EE-4397-97C7-48CFE2F75FF8}"/>
+          </ac:cxnSpMkLst>
+        </pc:cxnChg>
+        <pc:cxnChg chg="del mod">
+          <ac:chgData name="" userId="454ce11f11b1bd2c" providerId="LiveId" clId="{289F7100-A0AE-4F4D-90ED-69A38A28A15E}" dt="2020-12-09T03:51:09.631" v="30" actId="478"/>
+          <ac:cxnSpMkLst>
+            <pc:docMk/>
+            <pc:sldMk cId="3865759111" sldId="256"/>
+            <ac:cxnSpMk id="23" creationId="{FA825101-D3D2-4AF2-A1D0-FDEBF83F6F52}"/>
+          </ac:cxnSpMkLst>
+        </pc:cxnChg>
+        <pc:cxnChg chg="add mod">
+          <ac:chgData name="" userId="454ce11f11b1bd2c" providerId="LiveId" clId="{289F7100-A0AE-4F4D-90ED-69A38A28A15E}" dt="2020-12-09T03:52:57.253" v="48" actId="1076"/>
+          <ac:cxnSpMkLst>
+            <pc:docMk/>
+            <pc:sldMk cId="3865759111" sldId="256"/>
+            <ac:cxnSpMk id="24" creationId="{187F9060-D97A-43F7-889B-E57B07F824CC}"/>
+          </ac:cxnSpMkLst>
+        </pc:cxnChg>
+        <pc:cxnChg chg="del mod">
+          <ac:chgData name="" userId="454ce11f11b1bd2c" providerId="LiveId" clId="{289F7100-A0AE-4F4D-90ED-69A38A28A15E}" dt="2020-12-09T03:50:56.493" v="26" actId="478"/>
+          <ac:cxnSpMkLst>
+            <pc:docMk/>
+            <pc:sldMk cId="3865759111" sldId="256"/>
+            <ac:cxnSpMk id="25" creationId="{6D642434-B26F-4246-81CC-E31C821514D2}"/>
+          </ac:cxnSpMkLst>
+        </pc:cxnChg>
+        <pc:cxnChg chg="del mod">
+          <ac:chgData name="" userId="454ce11f11b1bd2c" providerId="LiveId" clId="{289F7100-A0AE-4F4D-90ED-69A38A28A15E}" dt="2020-12-09T03:53:43.536" v="82" actId="478"/>
+          <ac:cxnSpMkLst>
+            <pc:docMk/>
+            <pc:sldMk cId="3865759111" sldId="256"/>
+            <ac:cxnSpMk id="27" creationId="{DBC2658D-2FF6-4C2C-99C3-80DF027F4218}"/>
+          </ac:cxnSpMkLst>
+        </pc:cxnChg>
+        <pc:cxnChg chg="add mod">
+          <ac:chgData name="" userId="454ce11f11b1bd2c" providerId="LiveId" clId="{289F7100-A0AE-4F4D-90ED-69A38A28A15E}" dt="2020-12-09T03:54:22.229" v="91" actId="1076"/>
+          <ac:cxnSpMkLst>
+            <pc:docMk/>
+            <pc:sldMk cId="3865759111" sldId="256"/>
+            <ac:cxnSpMk id="42" creationId="{F3D7F450-D785-4769-8CB1-41730903B793}"/>
+          </ac:cxnSpMkLst>
+        </pc:cxnChg>
+        <pc:cxnChg chg="add mod">
+          <ac:chgData name="" userId="454ce11f11b1bd2c" providerId="LiveId" clId="{289F7100-A0AE-4F4D-90ED-69A38A28A15E}" dt="2020-12-09T03:55:48.646" v="107" actId="14100"/>
+          <ac:cxnSpMkLst>
+            <pc:docMk/>
+            <pc:sldMk cId="3865759111" sldId="256"/>
+            <ac:cxnSpMk id="44" creationId="{1E6E019B-FCC2-49B8-AA82-2B7E85169A18}"/>
+          </ac:cxnSpMkLst>
+        </pc:cxnChg>
+      </pc:sldChg>
+      <pc:sldChg chg="addSp delSp modSp">
+        <pc:chgData name="" userId="454ce11f11b1bd2c" providerId="LiveId" clId="{289F7100-A0AE-4F4D-90ED-69A38A28A15E}" dt="2020-12-09T20:23:51.845" v="225" actId="1076"/>
+        <pc:sldMkLst>
+          <pc:docMk/>
+          <pc:sldMk cId="634386444" sldId="257"/>
+        </pc:sldMkLst>
+        <pc:spChg chg="mod">
+          <ac:chgData name="" userId="454ce11f11b1bd2c" providerId="LiveId" clId="{289F7100-A0AE-4F4D-90ED-69A38A28A15E}" dt="2020-12-09T20:23:39.907" v="223" actId="1076"/>
+          <ac:spMkLst>
+            <pc:docMk/>
+            <pc:sldMk cId="634386444" sldId="257"/>
+            <ac:spMk id="4" creationId="{B08A355C-463B-4485-8559-7A973B4DB1F4}"/>
+          </ac:spMkLst>
+        </pc:spChg>
+        <pc:spChg chg="mod">
+          <ac:chgData name="" userId="454ce11f11b1bd2c" providerId="LiveId" clId="{289F7100-A0AE-4F4D-90ED-69A38A28A15E}" dt="2020-12-09T20:23:39.907" v="223" actId="1076"/>
+          <ac:spMkLst>
+            <pc:docMk/>
+            <pc:sldMk cId="634386444" sldId="257"/>
+            <ac:spMk id="5" creationId="{6CA5C138-4A7B-48F7-8ECB-7988B3D97EA6}"/>
+          </ac:spMkLst>
+        </pc:spChg>
+        <pc:spChg chg="mod">
+          <ac:chgData name="" userId="454ce11f11b1bd2c" providerId="LiveId" clId="{289F7100-A0AE-4F4D-90ED-69A38A28A15E}" dt="2020-12-09T20:23:39.907" v="223" actId="1076"/>
+          <ac:spMkLst>
+            <pc:docMk/>
+            <pc:sldMk cId="634386444" sldId="257"/>
+            <ac:spMk id="6" creationId="{6B5CD321-C3A9-43B6-85C8-39D2EB57A78D}"/>
+          </ac:spMkLst>
+        </pc:spChg>
+        <pc:spChg chg="mod">
+          <ac:chgData name="" userId="454ce11f11b1bd2c" providerId="LiveId" clId="{289F7100-A0AE-4F4D-90ED-69A38A28A15E}" dt="2020-12-09T20:23:39.907" v="223" actId="1076"/>
+          <ac:spMkLst>
+            <pc:docMk/>
+            <pc:sldMk cId="634386444" sldId="257"/>
+            <ac:spMk id="7" creationId="{96696B34-FD54-4989-B2D8-2997081FD539}"/>
+          </ac:spMkLst>
+        </pc:spChg>
+        <pc:spChg chg="mod">
+          <ac:chgData name="" userId="454ce11f11b1bd2c" providerId="LiveId" clId="{289F7100-A0AE-4F4D-90ED-69A38A28A15E}" dt="2020-12-09T20:23:39.907" v="223" actId="1076"/>
+          <ac:spMkLst>
+            <pc:docMk/>
+            <pc:sldMk cId="634386444" sldId="257"/>
+            <ac:spMk id="8" creationId="{F8B73DDE-1DA3-408D-95C1-45628A3827AB}"/>
+          </ac:spMkLst>
+        </pc:spChg>
+        <pc:spChg chg="mod">
+          <ac:chgData name="" userId="454ce11f11b1bd2c" providerId="LiveId" clId="{289F7100-A0AE-4F4D-90ED-69A38A28A15E}" dt="2020-12-09T20:23:39.907" v="223" actId="1076"/>
+          <ac:spMkLst>
+            <pc:docMk/>
+            <pc:sldMk cId="634386444" sldId="257"/>
+            <ac:spMk id="9" creationId="{C6374B7B-F635-4510-9109-371092D35CE9}"/>
+          </ac:spMkLst>
+        </pc:spChg>
+        <pc:spChg chg="mod">
+          <ac:chgData name="" userId="454ce11f11b1bd2c" providerId="LiveId" clId="{289F7100-A0AE-4F4D-90ED-69A38A28A15E}" dt="2020-12-09T20:23:39.907" v="223" actId="1076"/>
+          <ac:spMkLst>
+            <pc:docMk/>
+            <pc:sldMk cId="634386444" sldId="257"/>
+            <ac:spMk id="10" creationId="{9399A528-054B-428E-B316-9795C2A66A0D}"/>
+          </ac:spMkLst>
+        </pc:spChg>
+        <pc:spChg chg="add mod">
+          <ac:chgData name="" userId="454ce11f11b1bd2c" providerId="LiveId" clId="{289F7100-A0AE-4F4D-90ED-69A38A28A15E}" dt="2020-12-09T20:23:39.907" v="223" actId="1076"/>
+          <ac:spMkLst>
+            <pc:docMk/>
+            <pc:sldMk cId="634386444" sldId="257"/>
+            <ac:spMk id="11" creationId="{2776E151-7954-4976-8D4D-AB363BBBB424}"/>
+          </ac:spMkLst>
+        </pc:spChg>
+        <pc:spChg chg="add del">
+          <ac:chgData name="" userId="454ce11f11b1bd2c" providerId="LiveId" clId="{289F7100-A0AE-4F4D-90ED-69A38A28A15E}" dt="2020-12-09T20:20:21.480" v="151"/>
+          <ac:spMkLst>
+            <pc:docMk/>
+            <pc:sldMk cId="634386444" sldId="257"/>
+            <ac:spMk id="18" creationId="{117954EB-E63E-4B98-942F-EB524C6B23C7}"/>
+          </ac:spMkLst>
+        </pc:spChg>
+        <pc:spChg chg="add del">
+          <ac:chgData name="" userId="454ce11f11b1bd2c" providerId="LiveId" clId="{289F7100-A0AE-4F4D-90ED-69A38A28A15E}" dt="2020-12-09T20:20:21.480" v="151"/>
+          <ac:spMkLst>
+            <pc:docMk/>
+            <pc:sldMk cId="634386444" sldId="257"/>
+            <ac:spMk id="20" creationId="{68A5D502-7E8C-4375-94AD-5A8290E0E65B}"/>
+          </ac:spMkLst>
+        </pc:spChg>
+        <pc:spChg chg="add del">
+          <ac:chgData name="" userId="454ce11f11b1bd2c" providerId="LiveId" clId="{289F7100-A0AE-4F4D-90ED-69A38A28A15E}" dt="2020-12-09T20:20:21.480" v="151"/>
+          <ac:spMkLst>
+            <pc:docMk/>
+            <pc:sldMk cId="634386444" sldId="257"/>
+            <ac:spMk id="22" creationId="{01859B77-5038-41C4-90AF-601B7446524F}"/>
+          </ac:spMkLst>
+        </pc:spChg>
+        <pc:spChg chg="add del">
+          <ac:chgData name="" userId="454ce11f11b1bd2c" providerId="LiveId" clId="{289F7100-A0AE-4F4D-90ED-69A38A28A15E}" dt="2020-12-09T20:20:21.480" v="151"/>
+          <ac:spMkLst>
+            <pc:docMk/>
+            <pc:sldMk cId="634386444" sldId="257"/>
+            <ac:spMk id="24" creationId="{D1FA6A43-678C-4A3F-A903-CFD1AE5D771D}"/>
+          </ac:spMkLst>
+        </pc:spChg>
+        <pc:spChg chg="add mod">
+          <ac:chgData name="" userId="454ce11f11b1bd2c" providerId="LiveId" clId="{289F7100-A0AE-4F4D-90ED-69A38A28A15E}" dt="2020-12-09T20:23:39.907" v="223" actId="1076"/>
+          <ac:spMkLst>
+            <pc:docMk/>
+            <pc:sldMk cId="634386444" sldId="257"/>
+            <ac:spMk id="25" creationId="{11F9D997-CD89-4160-903E-9C8ECEB6CDBF}"/>
+          </ac:spMkLst>
+        </pc:spChg>
+        <pc:spChg chg="mod">
+          <ac:chgData name="" userId="454ce11f11b1bd2c" providerId="LiveId" clId="{289F7100-A0AE-4F4D-90ED-69A38A28A15E}" dt="2020-12-09T20:23:39.907" v="223" actId="1076"/>
+          <ac:spMkLst>
+            <pc:docMk/>
+            <pc:sldMk cId="634386444" sldId="257"/>
+            <ac:spMk id="26" creationId="{D2F48119-155A-4B4C-9D57-389FA297C7C5}"/>
+          </ac:spMkLst>
+        </pc:spChg>
+        <pc:spChg chg="add mod">
+          <ac:chgData name="" userId="454ce11f11b1bd2c" providerId="LiveId" clId="{289F7100-A0AE-4F4D-90ED-69A38A28A15E}" dt="2020-12-09T20:23:39.907" v="223" actId="1076"/>
+          <ac:spMkLst>
+            <pc:docMk/>
+            <pc:sldMk cId="634386444" sldId="257"/>
+            <ac:spMk id="30" creationId="{0B0885C5-9A30-4BBE-B2E9-C12D9942A861}"/>
+          </ac:spMkLst>
+        </pc:spChg>
+        <pc:spChg chg="mod">
+          <ac:chgData name="" userId="454ce11f11b1bd2c" providerId="LiveId" clId="{289F7100-A0AE-4F4D-90ED-69A38A28A15E}" dt="2020-12-09T20:23:39.907" v="223" actId="1076"/>
+          <ac:spMkLst>
+            <pc:docMk/>
+            <pc:sldMk cId="634386444" sldId="257"/>
+            <ac:spMk id="32" creationId="{FF2A52BF-F480-40EE-B1C2-F24FD0F06EA0}"/>
+          </ac:spMkLst>
+        </pc:spChg>
+        <pc:spChg chg="add mod">
+          <ac:chgData name="" userId="454ce11f11b1bd2c" providerId="LiveId" clId="{289F7100-A0AE-4F4D-90ED-69A38A28A15E}" dt="2020-12-09T20:23:51.845" v="225" actId="1076"/>
+          <ac:spMkLst>
+            <pc:docMk/>
+            <pc:sldMk cId="634386444" sldId="257"/>
+            <ac:spMk id="33" creationId="{3C6491F1-ACC2-4025-8F06-8A43CAC84E05}"/>
+          </ac:spMkLst>
+        </pc:spChg>
+        <pc:spChg chg="mod">
+          <ac:chgData name="" userId="454ce11f11b1bd2c" providerId="LiveId" clId="{289F7100-A0AE-4F4D-90ED-69A38A28A15E}" dt="2020-12-09T20:23:43.348" v="224" actId="1076"/>
+          <ac:spMkLst>
+            <pc:docMk/>
+            <pc:sldMk cId="634386444" sldId="257"/>
+            <ac:spMk id="36" creationId="{87572ACE-7B12-42DB-BD5A-3DCB4EB685E7}"/>
+          </ac:spMkLst>
+        </pc:spChg>
+        <pc:spChg chg="mod">
+          <ac:chgData name="" userId="454ce11f11b1bd2c" providerId="LiveId" clId="{289F7100-A0AE-4F4D-90ED-69A38A28A15E}" dt="2020-12-09T20:23:39.907" v="223" actId="1076"/>
+          <ac:spMkLst>
+            <pc:docMk/>
+            <pc:sldMk cId="634386444" sldId="257"/>
+            <ac:spMk id="37" creationId="{5D3A3CF0-847C-4111-9105-C1C162CD9442}"/>
+          </ac:spMkLst>
+        </pc:spChg>
+        <pc:spChg chg="add mod">
+          <ac:chgData name="" userId="454ce11f11b1bd2c" providerId="LiveId" clId="{289F7100-A0AE-4F4D-90ED-69A38A28A15E}" dt="2020-12-09T20:23:39.907" v="223" actId="1076"/>
+          <ac:spMkLst>
+            <pc:docMk/>
+            <pc:sldMk cId="634386444" sldId="257"/>
+            <ac:spMk id="38" creationId="{36D8A1EE-901E-47F5-A470-684663B4E882}"/>
+          </ac:spMkLst>
+        </pc:spChg>
+        <pc:spChg chg="add mod">
+          <ac:chgData name="" userId="454ce11f11b1bd2c" providerId="LiveId" clId="{289F7100-A0AE-4F4D-90ED-69A38A28A15E}" dt="2020-12-09T20:23:31.310" v="222" actId="571"/>
+          <ac:spMkLst>
+            <pc:docMk/>
+            <pc:sldMk cId="634386444" sldId="257"/>
+            <ac:spMk id="40" creationId="{C5428305-80B2-493E-B0AE-B728F8818A1D}"/>
+          </ac:spMkLst>
+        </pc:spChg>
+        <pc:spChg chg="add mod">
+          <ac:chgData name="" userId="454ce11f11b1bd2c" providerId="LiveId" clId="{289F7100-A0AE-4F4D-90ED-69A38A28A15E}" dt="2020-12-09T20:23:31.310" v="222" actId="571"/>
+          <ac:spMkLst>
+            <pc:docMk/>
+            <pc:sldMk cId="634386444" sldId="257"/>
+            <ac:spMk id="41" creationId="{46159E11-F376-4E19-8288-33E720401DA6}"/>
+          </ac:spMkLst>
+        </pc:spChg>
+        <pc:spChg chg="add mod">
+          <ac:chgData name="" userId="454ce11f11b1bd2c" providerId="LiveId" clId="{289F7100-A0AE-4F4D-90ED-69A38A28A15E}" dt="2020-12-09T20:23:31.310" v="222" actId="571"/>
+          <ac:spMkLst>
+            <pc:docMk/>
+            <pc:sldMk cId="634386444" sldId="257"/>
+            <ac:spMk id="42" creationId="{6E02CBD7-83DC-4589-BD19-18F779B91073}"/>
+          </ac:spMkLst>
+        </pc:spChg>
+        <pc:spChg chg="add mod">
+          <ac:chgData name="" userId="454ce11f11b1bd2c" providerId="LiveId" clId="{289F7100-A0AE-4F4D-90ED-69A38A28A15E}" dt="2020-12-09T20:23:31.310" v="222" actId="571"/>
+          <ac:spMkLst>
+            <pc:docMk/>
+            <pc:sldMk cId="634386444" sldId="257"/>
+            <ac:spMk id="43" creationId="{52D1625A-FD02-49D7-91FC-F5DED2B9E2E4}"/>
+          </ac:spMkLst>
+        </pc:spChg>
+        <pc:spChg chg="add mod">
+          <ac:chgData name="" userId="454ce11f11b1bd2c" providerId="LiveId" clId="{289F7100-A0AE-4F4D-90ED-69A38A28A15E}" dt="2020-12-09T20:23:31.310" v="222" actId="571"/>
+          <ac:spMkLst>
+            <pc:docMk/>
+            <pc:sldMk cId="634386444" sldId="257"/>
+            <ac:spMk id="44" creationId="{BE24D5FC-C254-4808-A5E9-9A65FF873A67}"/>
+          </ac:spMkLst>
+        </pc:spChg>
+        <pc:spChg chg="add mod">
+          <ac:chgData name="" userId="454ce11f11b1bd2c" providerId="LiveId" clId="{289F7100-A0AE-4F4D-90ED-69A38A28A15E}" dt="2020-12-09T20:23:31.310" v="222" actId="571"/>
+          <ac:spMkLst>
+            <pc:docMk/>
+            <pc:sldMk cId="634386444" sldId="257"/>
+            <ac:spMk id="45" creationId="{23DFE32A-D80A-4BC8-BC78-B391421DC627}"/>
+          </ac:spMkLst>
+        </pc:spChg>
+        <pc:spChg chg="add mod">
+          <ac:chgData name="" userId="454ce11f11b1bd2c" providerId="LiveId" clId="{289F7100-A0AE-4F4D-90ED-69A38A28A15E}" dt="2020-12-09T20:23:31.310" v="222" actId="571"/>
+          <ac:spMkLst>
+            <pc:docMk/>
+            <pc:sldMk cId="634386444" sldId="257"/>
+            <ac:spMk id="46" creationId="{059DA9EC-9CEB-41DE-8C47-00AC05A8F7ED}"/>
+          </ac:spMkLst>
+        </pc:spChg>
+        <pc:spChg chg="add mod">
+          <ac:chgData name="" userId="454ce11f11b1bd2c" providerId="LiveId" clId="{289F7100-A0AE-4F4D-90ED-69A38A28A15E}" dt="2020-12-09T20:23:31.310" v="222" actId="571"/>
+          <ac:spMkLst>
+            <pc:docMk/>
+            <pc:sldMk cId="634386444" sldId="257"/>
+            <ac:spMk id="49" creationId="{4A9A4453-9130-4A62-BA35-164BBEA05F14}"/>
+          </ac:spMkLst>
+        </pc:spChg>
+        <pc:spChg chg="add mod">
+          <ac:chgData name="" userId="454ce11f11b1bd2c" providerId="LiveId" clId="{289F7100-A0AE-4F4D-90ED-69A38A28A15E}" dt="2020-12-09T20:23:31.310" v="222" actId="571"/>
+          <ac:spMkLst>
+            <pc:docMk/>
+            <pc:sldMk cId="634386444" sldId="257"/>
+            <ac:spMk id="51" creationId="{29AF7297-095E-4F87-817C-C1E426E1B936}"/>
+          </ac:spMkLst>
+        </pc:spChg>
+        <pc:spChg chg="add mod">
+          <ac:chgData name="" userId="454ce11f11b1bd2c" providerId="LiveId" clId="{289F7100-A0AE-4F4D-90ED-69A38A28A15E}" dt="2020-12-09T20:23:31.310" v="222" actId="571"/>
+          <ac:spMkLst>
+            <pc:docMk/>
+            <pc:sldMk cId="634386444" sldId="257"/>
+            <ac:spMk id="54" creationId="{68D14B0F-6253-4168-872F-8E5411A53234}"/>
+          </ac:spMkLst>
+        </pc:spChg>
+        <pc:spChg chg="add mod">
+          <ac:chgData name="" userId="454ce11f11b1bd2c" providerId="LiveId" clId="{289F7100-A0AE-4F4D-90ED-69A38A28A15E}" dt="2020-12-09T20:23:31.310" v="222" actId="571"/>
+          <ac:spMkLst>
+            <pc:docMk/>
+            <pc:sldMk cId="634386444" sldId="257"/>
+            <ac:spMk id="55" creationId="{9747D56E-461A-4135-9AD3-BF0D0B3DFA76}"/>
+          </ac:spMkLst>
+        </pc:spChg>
+        <pc:spChg chg="add mod">
+          <ac:chgData name="" userId="454ce11f11b1bd2c" providerId="LiveId" clId="{289F7100-A0AE-4F4D-90ED-69A38A28A15E}" dt="2020-12-09T20:23:31.310" v="222" actId="571"/>
+          <ac:spMkLst>
+            <pc:docMk/>
+            <pc:sldMk cId="634386444" sldId="257"/>
+            <ac:spMk id="57" creationId="{EFFFC943-39C2-43A3-84E1-1B92286403D5}"/>
+          </ac:spMkLst>
+        </pc:spChg>
+        <pc:spChg chg="add mod">
+          <ac:chgData name="" userId="454ce11f11b1bd2c" providerId="LiveId" clId="{289F7100-A0AE-4F4D-90ED-69A38A28A15E}" dt="2020-12-09T20:23:31.310" v="222" actId="571"/>
+          <ac:spMkLst>
+            <pc:docMk/>
+            <pc:sldMk cId="634386444" sldId="257"/>
+            <ac:spMk id="58" creationId="{13DC9993-3978-4368-B46C-EFCFF4EC6077}"/>
+          </ac:spMkLst>
+        </pc:spChg>
+        <pc:spChg chg="add mod">
+          <ac:chgData name="" userId="454ce11f11b1bd2c" providerId="LiveId" clId="{289F7100-A0AE-4F4D-90ED-69A38A28A15E}" dt="2020-12-09T20:23:31.310" v="222" actId="571"/>
+          <ac:spMkLst>
+            <pc:docMk/>
+            <pc:sldMk cId="634386444" sldId="257"/>
+            <ac:spMk id="59" creationId="{163BB0A7-6E79-4BA5-B927-A57EE250C619}"/>
+          </ac:spMkLst>
+        </pc:spChg>
+        <pc:spChg chg="add mod">
+          <ac:chgData name="" userId="454ce11f11b1bd2c" providerId="LiveId" clId="{289F7100-A0AE-4F4D-90ED-69A38A28A15E}" dt="2020-12-09T20:23:31.310" v="222" actId="571"/>
+          <ac:spMkLst>
+            <pc:docMk/>
+            <pc:sldMk cId="634386444" sldId="257"/>
+            <ac:spMk id="60" creationId="{AE4EC99B-D019-4A2C-958D-A16F0C3169CC}"/>
+          </ac:spMkLst>
+        </pc:spChg>
+        <pc:cxnChg chg="mod">
+          <ac:chgData name="" userId="454ce11f11b1bd2c" providerId="LiveId" clId="{289F7100-A0AE-4F4D-90ED-69A38A28A15E}" dt="2020-12-09T20:23:39.907" v="223" actId="1076"/>
+          <ac:cxnSpMkLst>
+            <pc:docMk/>
+            <pc:sldMk cId="634386444" sldId="257"/>
+            <ac:cxnSpMk id="12" creationId="{AAE6DCCD-8969-4B7A-B9AD-F5B7EBA716D7}"/>
+          </ac:cxnSpMkLst>
+        </pc:cxnChg>
+        <pc:cxnChg chg="mod">
+          <ac:chgData name="" userId="454ce11f11b1bd2c" providerId="LiveId" clId="{289F7100-A0AE-4F4D-90ED-69A38A28A15E}" dt="2020-12-09T20:23:39.907" v="223" actId="1076"/>
+          <ac:cxnSpMkLst>
+            <pc:docMk/>
+            <pc:sldMk cId="634386444" sldId="257"/>
+            <ac:cxnSpMk id="16" creationId="{88923038-1B69-4C35-93B9-DCC0D66C59AC}"/>
+          </ac:cxnSpMkLst>
+        </pc:cxnChg>
+        <pc:cxnChg chg="add del">
+          <ac:chgData name="" userId="454ce11f11b1bd2c" providerId="LiveId" clId="{289F7100-A0AE-4F4D-90ED-69A38A28A15E}" dt="2020-12-09T20:20:21.480" v="151"/>
+          <ac:cxnSpMkLst>
+            <pc:docMk/>
+            <pc:sldMk cId="634386444" sldId="257"/>
+            <ac:cxnSpMk id="19" creationId="{D966991D-A152-463A-9EE6-FC1A76519200}"/>
+          </ac:cxnSpMkLst>
+        </pc:cxnChg>
+        <pc:cxnChg chg="add del">
+          <ac:chgData name="" userId="454ce11f11b1bd2c" providerId="LiveId" clId="{289F7100-A0AE-4F4D-90ED-69A38A28A15E}" dt="2020-12-09T20:20:21.480" v="151"/>
+          <ac:cxnSpMkLst>
+            <pc:docMk/>
+            <pc:sldMk cId="634386444" sldId="257"/>
+            <ac:cxnSpMk id="21" creationId="{6A1768C5-4154-4BC8-9D24-9199F71F7D41}"/>
+          </ac:cxnSpMkLst>
+        </pc:cxnChg>
+        <pc:cxnChg chg="add del">
+          <ac:chgData name="" userId="454ce11f11b1bd2c" providerId="LiveId" clId="{289F7100-A0AE-4F4D-90ED-69A38A28A15E}" dt="2020-12-09T20:20:21.480" v="151"/>
+          <ac:cxnSpMkLst>
+            <pc:docMk/>
+            <pc:sldMk cId="634386444" sldId="257"/>
+            <ac:cxnSpMk id="23" creationId="{FEB7A271-BFDE-4058-96FA-5DC29C962293}"/>
+          </ac:cxnSpMkLst>
+        </pc:cxnChg>
+        <pc:cxnChg chg="add mod">
+          <ac:chgData name="" userId="454ce11f11b1bd2c" providerId="LiveId" clId="{289F7100-A0AE-4F4D-90ED-69A38A28A15E}" dt="2020-12-09T20:23:39.907" v="223" actId="1076"/>
+          <ac:cxnSpMkLst>
+            <pc:docMk/>
+            <pc:sldMk cId="634386444" sldId="257"/>
+            <ac:cxnSpMk id="27" creationId="{65F70118-54E5-44CD-8475-E86CED82F033}"/>
+          </ac:cxnSpMkLst>
+        </pc:cxnChg>
+        <pc:cxnChg chg="mod">
+          <ac:chgData name="" userId="454ce11f11b1bd2c" providerId="LiveId" clId="{289F7100-A0AE-4F4D-90ED-69A38A28A15E}" dt="2020-12-09T20:23:39.907" v="223" actId="1076"/>
+          <ac:cxnSpMkLst>
+            <pc:docMk/>
+            <pc:sldMk cId="634386444" sldId="257"/>
+            <ac:cxnSpMk id="31" creationId="{C4D6E2F0-B0AF-4AEB-9490-800A752B5A6E}"/>
+          </ac:cxnSpMkLst>
+        </pc:cxnChg>
+        <pc:cxnChg chg="mod">
+          <ac:chgData name="" userId="454ce11f11b1bd2c" providerId="LiveId" clId="{289F7100-A0AE-4F4D-90ED-69A38A28A15E}" dt="2020-12-09T20:23:39.907" v="223" actId="1076"/>
+          <ac:cxnSpMkLst>
+            <pc:docMk/>
+            <pc:sldMk cId="634386444" sldId="257"/>
+            <ac:cxnSpMk id="34" creationId="{CAF6371C-6FAF-4A0F-8666-E9F892AC2086}"/>
+          </ac:cxnSpMkLst>
+        </pc:cxnChg>
+        <pc:cxnChg chg="mod">
+          <ac:chgData name="" userId="454ce11f11b1bd2c" providerId="LiveId" clId="{289F7100-A0AE-4F4D-90ED-69A38A28A15E}" dt="2020-12-09T20:23:39.907" v="223" actId="1076"/>
+          <ac:cxnSpMkLst>
+            <pc:docMk/>
+            <pc:sldMk cId="634386444" sldId="257"/>
+            <ac:cxnSpMk id="35" creationId="{3BA41B66-27D3-4D5D-858C-A63480B8E93B}"/>
+          </ac:cxnSpMkLst>
+        </pc:cxnChg>
+        <pc:cxnChg chg="add mod">
+          <ac:chgData name="" userId="454ce11f11b1bd2c" providerId="LiveId" clId="{289F7100-A0AE-4F4D-90ED-69A38A28A15E}" dt="2020-12-09T20:23:39.907" v="223" actId="1076"/>
+          <ac:cxnSpMkLst>
+            <pc:docMk/>
+            <pc:sldMk cId="634386444" sldId="257"/>
+            <ac:cxnSpMk id="39" creationId="{B13DC2CB-0D4B-4AC6-A12F-2DD33E4B4B32}"/>
+          </ac:cxnSpMkLst>
+        </pc:cxnChg>
+        <pc:cxnChg chg="add mod">
+          <ac:chgData name="" userId="454ce11f11b1bd2c" providerId="LiveId" clId="{289F7100-A0AE-4F4D-90ED-69A38A28A15E}" dt="2020-12-09T20:23:31.310" v="222" actId="571"/>
+          <ac:cxnSpMkLst>
+            <pc:docMk/>
+            <pc:sldMk cId="634386444" sldId="257"/>
+            <ac:cxnSpMk id="47" creationId="{EC1ED632-5A14-4C36-A82E-7CCD99B91C88}"/>
+          </ac:cxnSpMkLst>
+        </pc:cxnChg>
+        <pc:cxnChg chg="add mod">
+          <ac:chgData name="" userId="454ce11f11b1bd2c" providerId="LiveId" clId="{289F7100-A0AE-4F4D-90ED-69A38A28A15E}" dt="2020-12-09T20:23:31.310" v="222" actId="571"/>
+          <ac:cxnSpMkLst>
+            <pc:docMk/>
+            <pc:sldMk cId="634386444" sldId="257"/>
+            <ac:cxnSpMk id="48" creationId="{0F3652B9-757D-4FF6-A03C-74C09EA85149}"/>
+          </ac:cxnSpMkLst>
+        </pc:cxnChg>
+        <pc:cxnChg chg="add mod">
+          <ac:chgData name="" userId="454ce11f11b1bd2c" providerId="LiveId" clId="{289F7100-A0AE-4F4D-90ED-69A38A28A15E}" dt="2020-12-09T20:23:31.310" v="222" actId="571"/>
+          <ac:cxnSpMkLst>
+            <pc:docMk/>
+            <pc:sldMk cId="634386444" sldId="257"/>
+            <ac:cxnSpMk id="50" creationId="{081793B0-1766-42B3-8FAE-6227B6F40A11}"/>
+          </ac:cxnSpMkLst>
+        </pc:cxnChg>
+        <pc:cxnChg chg="add mod">
+          <ac:chgData name="" userId="454ce11f11b1bd2c" providerId="LiveId" clId="{289F7100-A0AE-4F4D-90ED-69A38A28A15E}" dt="2020-12-09T20:23:31.310" v="222" actId="571"/>
+          <ac:cxnSpMkLst>
+            <pc:docMk/>
+            <pc:sldMk cId="634386444" sldId="257"/>
+            <ac:cxnSpMk id="52" creationId="{3D10E884-FD28-4FDA-B05E-90B0F69FC080}"/>
+          </ac:cxnSpMkLst>
+        </pc:cxnChg>
+        <pc:cxnChg chg="add mod">
+          <ac:chgData name="" userId="454ce11f11b1bd2c" providerId="LiveId" clId="{289F7100-A0AE-4F4D-90ED-69A38A28A15E}" dt="2020-12-09T20:23:31.310" v="222" actId="571"/>
+          <ac:cxnSpMkLst>
+            <pc:docMk/>
+            <pc:sldMk cId="634386444" sldId="257"/>
+            <ac:cxnSpMk id="53" creationId="{F218C2FB-0197-456D-93FC-FF61A7E838F3}"/>
+          </ac:cxnSpMkLst>
+        </pc:cxnChg>
+        <pc:cxnChg chg="add mod">
+          <ac:chgData name="" userId="454ce11f11b1bd2c" providerId="LiveId" clId="{289F7100-A0AE-4F4D-90ED-69A38A28A15E}" dt="2020-12-09T20:23:31.310" v="222" actId="571"/>
+          <ac:cxnSpMkLst>
+            <pc:docMk/>
+            <pc:sldMk cId="634386444" sldId="257"/>
+            <ac:cxnSpMk id="56" creationId="{5D0D7405-4B7F-493C-94DA-C00674C52DB4}"/>
+          </ac:cxnSpMkLst>
+        </pc:cxnChg>
+        <pc:cxnChg chg="add mod">
+          <ac:chgData name="" userId="454ce11f11b1bd2c" providerId="LiveId" clId="{289F7100-A0AE-4F4D-90ED-69A38A28A15E}" dt="2020-12-09T20:23:31.310" v="222" actId="571"/>
+          <ac:cxnSpMkLst>
+            <pc:docMk/>
+            <pc:sldMk cId="634386444" sldId="257"/>
+            <ac:cxnSpMk id="61" creationId="{6661FBDC-F527-4310-ACD4-8BD728650867}"/>
           </ac:cxnSpMkLst>
         </pc:cxnChg>
       </pc:sldChg>
@@ -611,7 +1231,7 @@
           <a:p>
             <a:fld id="{4D4B47D4-0B65-4C1C-940E-7E4650818958}" type="datetimeFigureOut">
               <a:rPr lang="en-US" smtClean="0"/>
-              <a:t>23-Nov-20</a:t>
+              <a:t>08-Dec-20</a:t>
             </a:fld>
             <a:endParaRPr lang="en-US"/>
           </a:p>
@@ -809,7 +1429,7 @@
           <a:p>
             <a:fld id="{4D4B47D4-0B65-4C1C-940E-7E4650818958}" type="datetimeFigureOut">
               <a:rPr lang="en-US" smtClean="0"/>
-              <a:t>23-Nov-20</a:t>
+              <a:t>08-Dec-20</a:t>
             </a:fld>
             <a:endParaRPr lang="en-US"/>
           </a:p>
@@ -1017,7 +1637,7 @@
           <a:p>
             <a:fld id="{4D4B47D4-0B65-4C1C-940E-7E4650818958}" type="datetimeFigureOut">
               <a:rPr lang="en-US" smtClean="0"/>
-              <a:t>23-Nov-20</a:t>
+              <a:t>08-Dec-20</a:t>
             </a:fld>
             <a:endParaRPr lang="en-US"/>
           </a:p>
@@ -1215,7 +1835,7 @@
           <a:p>
             <a:fld id="{4D4B47D4-0B65-4C1C-940E-7E4650818958}" type="datetimeFigureOut">
               <a:rPr lang="en-US" smtClean="0"/>
-              <a:t>23-Nov-20</a:t>
+              <a:t>08-Dec-20</a:t>
             </a:fld>
             <a:endParaRPr lang="en-US"/>
           </a:p>
@@ -1490,7 +2110,7 @@
           <a:p>
             <a:fld id="{4D4B47D4-0B65-4C1C-940E-7E4650818958}" type="datetimeFigureOut">
               <a:rPr lang="en-US" smtClean="0"/>
-              <a:t>23-Nov-20</a:t>
+              <a:t>08-Dec-20</a:t>
             </a:fld>
             <a:endParaRPr lang="en-US"/>
           </a:p>
@@ -1755,7 +2375,7 @@
           <a:p>
             <a:fld id="{4D4B47D4-0B65-4C1C-940E-7E4650818958}" type="datetimeFigureOut">
               <a:rPr lang="en-US" smtClean="0"/>
-              <a:t>23-Nov-20</a:t>
+              <a:t>08-Dec-20</a:t>
             </a:fld>
             <a:endParaRPr lang="en-US"/>
           </a:p>
@@ -2167,7 +2787,7 @@
           <a:p>
             <a:fld id="{4D4B47D4-0B65-4C1C-940E-7E4650818958}" type="datetimeFigureOut">
               <a:rPr lang="en-US" smtClean="0"/>
-              <a:t>23-Nov-20</a:t>
+              <a:t>08-Dec-20</a:t>
             </a:fld>
             <a:endParaRPr lang="en-US"/>
           </a:p>
@@ -2308,7 +2928,7 @@
           <a:p>
             <a:fld id="{4D4B47D4-0B65-4C1C-940E-7E4650818958}" type="datetimeFigureOut">
               <a:rPr lang="en-US" smtClean="0"/>
-              <a:t>23-Nov-20</a:t>
+              <a:t>08-Dec-20</a:t>
             </a:fld>
             <a:endParaRPr lang="en-US"/>
           </a:p>
@@ -2421,7 +3041,7 @@
           <a:p>
             <a:fld id="{4D4B47D4-0B65-4C1C-940E-7E4650818958}" type="datetimeFigureOut">
               <a:rPr lang="en-US" smtClean="0"/>
-              <a:t>23-Nov-20</a:t>
+              <a:t>08-Dec-20</a:t>
             </a:fld>
             <a:endParaRPr lang="en-US"/>
           </a:p>
@@ -2732,7 +3352,7 @@
           <a:p>
             <a:fld id="{4D4B47D4-0B65-4C1C-940E-7E4650818958}" type="datetimeFigureOut">
               <a:rPr lang="en-US" smtClean="0"/>
-              <a:t>23-Nov-20</a:t>
+              <a:t>08-Dec-20</a:t>
             </a:fld>
             <a:endParaRPr lang="en-US"/>
           </a:p>
@@ -3020,7 +3640,7 @@
           <a:p>
             <a:fld id="{4D4B47D4-0B65-4C1C-940E-7E4650818958}" type="datetimeFigureOut">
               <a:rPr lang="en-US" smtClean="0"/>
-              <a:t>23-Nov-20</a:t>
+              <a:t>08-Dec-20</a:t>
             </a:fld>
             <a:endParaRPr lang="en-US"/>
           </a:p>
@@ -3261,7 +3881,7 @@
           <a:p>
             <a:fld id="{4D4B47D4-0B65-4C1C-940E-7E4650818958}" type="datetimeFigureOut">
               <a:rPr lang="en-US" smtClean="0"/>
-              <a:t>23-Nov-20</a:t>
+              <a:t>08-Dec-20</a:t>
             </a:fld>
             <a:endParaRPr lang="en-US"/>
           </a:p>
@@ -3692,7 +4312,7 @@
         </p:nvSpPr>
         <p:spPr>
           <a:xfrm>
-            <a:off x="1795805" y="2425831"/>
+            <a:off x="550680" y="2465897"/>
             <a:ext cx="1167353" cy="878264"/>
           </a:xfrm>
           <a:prstGeom prst="roundRect">
@@ -3751,7 +4371,7 @@
         </p:nvSpPr>
         <p:spPr>
           <a:xfrm>
-            <a:off x="3286811" y="1918355"/>
+            <a:off x="4705535" y="1767527"/>
             <a:ext cx="1167353" cy="878264"/>
           </a:xfrm>
           <a:prstGeom prst="roundRect">
@@ -3809,7 +4429,7 @@
         </p:nvSpPr>
         <p:spPr>
           <a:xfrm>
-            <a:off x="3286810" y="3152482"/>
+            <a:off x="2428971" y="3157196"/>
             <a:ext cx="1167353" cy="878264"/>
           </a:xfrm>
           <a:prstGeom prst="roundRect">
@@ -3867,7 +4487,7 @@
         </p:nvSpPr>
         <p:spPr>
           <a:xfrm>
-            <a:off x="4777814" y="2683104"/>
+            <a:off x="3919975" y="3157196"/>
             <a:ext cx="1167353" cy="878264"/>
           </a:xfrm>
           <a:prstGeom prst="roundRect">
@@ -3907,17 +4527,17 @@
                   <a:schemeClr val="tx1"/>
                 </a:solidFill>
               </a:rPr>
-              <a:t>Word2Vec or GloVe</a:t>
-            </a:r>
-          </a:p>
-        </p:txBody>
-      </p:sp>
-      <p:sp>
-        <p:nvSpPr>
-          <p:cNvPr id="8" name="Rectangle: Rounded Corners 7">
-            <a:extLst>
-              <a:ext uri="{FF2B5EF4-FFF2-40B4-BE49-F238E27FC236}">
-                <a16:creationId xmlns:a16="http://schemas.microsoft.com/office/drawing/2014/main" id="{962A6C8D-E7B7-4FC9-B135-F8AB57C2A66E}"/>
+              <a:t>Word2Vec</a:t>
+            </a:r>
+          </a:p>
+        </p:txBody>
+      </p:sp>
+      <p:sp>
+        <p:nvSpPr>
+          <p:cNvPr id="9" name="Rectangle: Rounded Corners 8">
+            <a:extLst>
+              <a:ext uri="{FF2B5EF4-FFF2-40B4-BE49-F238E27FC236}">
+                <a16:creationId xmlns:a16="http://schemas.microsoft.com/office/drawing/2014/main" id="{F7AE485E-FCAD-41A5-98B4-A92BBFE9FB5F}"/>
               </a:ext>
             </a:extLst>
           </p:cNvPr>
@@ -3926,66 +4546,7 @@
         </p:nvSpPr>
         <p:spPr>
           <a:xfrm>
-            <a:off x="4777814" y="3659957"/>
-            <a:ext cx="1167352" cy="878263"/>
-          </a:xfrm>
-          <a:prstGeom prst="roundRect">
-            <a:avLst/>
-          </a:prstGeom>
-          <a:solidFill>
-            <a:schemeClr val="accent4">
-              <a:lumMod val="40000"/>
-              <a:lumOff val="60000"/>
-            </a:schemeClr>
-          </a:solidFill>
-        </p:spPr>
-        <p:style>
-          <a:lnRef idx="2">
-            <a:schemeClr val="accent1">
-              <a:shade val="50000"/>
-            </a:schemeClr>
-          </a:lnRef>
-          <a:fillRef idx="1">
-            <a:schemeClr val="accent1"/>
-          </a:fillRef>
-          <a:effectRef idx="0">
-            <a:schemeClr val="accent1"/>
-          </a:effectRef>
-          <a:fontRef idx="minor">
-            <a:schemeClr val="lt1"/>
-          </a:fontRef>
-        </p:style>
-        <p:txBody>
-          <a:bodyPr rtlCol="0" anchor="ctr"/>
-          <a:lstStyle/>
-          <a:p>
-            <a:pPr algn="ctr"/>
-            <a:r>
-              <a:rPr lang="en-US" sz="1500" dirty="0">
-                <a:solidFill>
-                  <a:schemeClr val="tx1"/>
-                </a:solidFill>
-              </a:rPr>
-              <a:t>TF-IDF + PCA</a:t>
-            </a:r>
-          </a:p>
-        </p:txBody>
-      </p:sp>
-      <p:sp>
-        <p:nvSpPr>
-          <p:cNvPr id="9" name="Rectangle: Rounded Corners 8">
-            <a:extLst>
-              <a:ext uri="{FF2B5EF4-FFF2-40B4-BE49-F238E27FC236}">
-                <a16:creationId xmlns:a16="http://schemas.microsoft.com/office/drawing/2014/main" id="{F7AE485E-FCAD-41A5-98B4-A92BBFE9FB5F}"/>
-              </a:ext>
-            </a:extLst>
-          </p:cNvPr>
-          <p:cNvSpPr/>
-          <p:nvPr/>
-        </p:nvSpPr>
-        <p:spPr>
-          <a:xfrm>
-            <a:off x="6268819" y="3156408"/>
+            <a:off x="5410980" y="3161122"/>
             <a:ext cx="1230204" cy="878263"/>
           </a:xfrm>
           <a:prstGeom prst="roundRect">
@@ -4047,8 +4608,55 @@
         </p:nvCxnSpPr>
         <p:spPr>
           <a:xfrm flipV="1">
-            <a:off x="2963158" y="2357487"/>
-            <a:ext cx="323653" cy="507476"/>
+            <a:off x="1718033" y="2206659"/>
+            <a:ext cx="2987502" cy="698370"/>
+          </a:xfrm>
+          <a:prstGeom prst="bentConnector3">
+            <a:avLst>
+              <a:gd name="adj1" fmla="val 11977"/>
+            </a:avLst>
+          </a:prstGeom>
+          <a:ln w="12700">
+            <a:solidFill>
+              <a:schemeClr val="tx1"/>
+            </a:solidFill>
+            <a:tailEnd type="triangle"/>
+          </a:ln>
+        </p:spPr>
+        <p:style>
+          <a:lnRef idx="1">
+            <a:schemeClr val="accent1"/>
+          </a:lnRef>
+          <a:fillRef idx="0">
+            <a:schemeClr val="accent1"/>
+          </a:fillRef>
+          <a:effectRef idx="0">
+            <a:schemeClr val="accent1"/>
+          </a:effectRef>
+          <a:fontRef idx="minor">
+            <a:schemeClr val="tx1"/>
+          </a:fontRef>
+        </p:style>
+      </p:cxnSp>
+      <p:cxnSp>
+        <p:nvCxnSpPr>
+          <p:cNvPr id="14" name="Connector: Elbow 13">
+            <a:extLst>
+              <a:ext uri="{FF2B5EF4-FFF2-40B4-BE49-F238E27FC236}">
+                <a16:creationId xmlns:a16="http://schemas.microsoft.com/office/drawing/2014/main" id="{C555B5BB-1E2F-42D6-8F5E-A1A1BEAE163D}"/>
+              </a:ext>
+            </a:extLst>
+          </p:cNvPr>
+          <p:cNvCxnSpPr>
+            <a:stCxn id="4" idx="3"/>
+            <a:endCxn id="6" idx="1"/>
+          </p:cNvCxnSpPr>
+          <p:nvPr/>
+        </p:nvCxnSpPr>
+        <p:spPr>
+          <a:xfrm>
+            <a:off x="1718033" y="2905029"/>
+            <a:ext cx="710938" cy="691299"/>
           </a:xfrm>
           <a:prstGeom prst="bentConnector3">
             <a:avLst/>
@@ -4077,23 +4685,23 @@
       </p:cxnSp>
       <p:cxnSp>
         <p:nvCxnSpPr>
-          <p:cNvPr id="14" name="Connector: Elbow 13">
-            <a:extLst>
-              <a:ext uri="{FF2B5EF4-FFF2-40B4-BE49-F238E27FC236}">
-                <a16:creationId xmlns:a16="http://schemas.microsoft.com/office/drawing/2014/main" id="{C555B5BB-1E2F-42D6-8F5E-A1A1BEAE163D}"/>
+          <p:cNvPr id="16" name="Connector: Elbow 15">
+            <a:extLst>
+              <a:ext uri="{FF2B5EF4-FFF2-40B4-BE49-F238E27FC236}">
+                <a16:creationId xmlns:a16="http://schemas.microsoft.com/office/drawing/2014/main" id="{B5D1B1B9-CF58-4AE4-8FC2-C3A0AA1D085A}"/>
               </a:ext>
             </a:extLst>
           </p:cNvPr>
           <p:cNvCxnSpPr>
-            <a:stCxn id="4" idx="3"/>
-            <a:endCxn id="6" idx="1"/>
+            <a:cxnSpLocks/>
+            <a:stCxn id="5" idx="3"/>
           </p:cNvCxnSpPr>
           <p:nvPr/>
         </p:nvCxnSpPr>
         <p:spPr>
           <a:xfrm>
-            <a:off x="2963158" y="2864963"/>
-            <a:ext cx="323652" cy="726651"/>
+            <a:off x="5872888" y="2206659"/>
+            <a:ext cx="3086474" cy="649690"/>
           </a:xfrm>
           <a:prstGeom prst="bentConnector3">
             <a:avLst/>
@@ -4120,27 +4728,143 @@
           </a:fontRef>
         </p:style>
       </p:cxnSp>
+      <p:sp>
+        <p:nvSpPr>
+          <p:cNvPr id="32" name="TextBox 31">
+            <a:extLst>
+              <a:ext uri="{FF2B5EF4-FFF2-40B4-BE49-F238E27FC236}">
+                <a16:creationId xmlns:a16="http://schemas.microsoft.com/office/drawing/2014/main" id="{B47425A9-BBF0-44E4-B264-483C5C58E20E}"/>
+              </a:ext>
+            </a:extLst>
+          </p:cNvPr>
+          <p:cNvSpPr txBox="1"/>
+          <p:nvPr/>
+        </p:nvSpPr>
+        <p:spPr>
+          <a:xfrm>
+            <a:off x="10660110" y="2454174"/>
+            <a:ext cx="1178349" cy="784830"/>
+          </a:xfrm>
+          <a:prstGeom prst="rect">
+            <a:avLst/>
+          </a:prstGeom>
+          <a:noFill/>
+        </p:spPr>
+        <p:txBody>
+          <a:bodyPr wrap="square" rtlCol="0">
+            <a:spAutoFit/>
+          </a:bodyPr>
+          <a:lstStyle/>
+          <a:p>
+            <a:r>
+              <a:rPr lang="en-US" sz="1500" dirty="0"/>
+              <a:t>Return movement</a:t>
+            </a:r>
+          </a:p>
+          <a:p>
+            <a:r>
+              <a:rPr lang="en-US" sz="1500" dirty="0"/>
+              <a:t>predictions</a:t>
+            </a:r>
+          </a:p>
+        </p:txBody>
+      </p:sp>
+      <p:pic>
+        <p:nvPicPr>
+          <p:cNvPr id="34" name="Graphic 33">
+            <a:extLst>
+              <a:ext uri="{FF2B5EF4-FFF2-40B4-BE49-F238E27FC236}">
+                <a16:creationId xmlns:a16="http://schemas.microsoft.com/office/drawing/2014/main" id="{EC0FDECD-B511-4FA8-8ABD-FBE50A19AAC3}"/>
+              </a:ext>
+            </a:extLst>
+          </p:cNvPr>
+          <p:cNvPicPr>
+            <a:picLocks noChangeAspect="1"/>
+          </p:cNvPicPr>
+          <p:nvPr/>
+        </p:nvPicPr>
+        <p:blipFill>
+          <a:blip r:embed="rId2">
+            <a:extLst>
+              <a:ext uri="{28A0092B-C50C-407E-A947-70E740481C1C}">
+                <a14:useLocalDpi xmlns:a14="http://schemas.microsoft.com/office/drawing/2010/main" val="0"/>
+              </a:ext>
+              <a:ext uri="{96DAC541-7B7A-43D3-8B79-37D633B846F1}">
+                <asvg:svgBlip xmlns:asvg="http://schemas.microsoft.com/office/drawing/2016/SVG/main" r:embed="rId3"/>
+              </a:ext>
+            </a:extLst>
+          </a:blip>
+          <a:stretch>
+            <a:fillRect/>
+          </a:stretch>
+        </p:blipFill>
+        <p:spPr>
+          <a:xfrm>
+            <a:off x="8903578" y="1911346"/>
+            <a:ext cx="1756532" cy="2317708"/>
+          </a:xfrm>
+          <a:prstGeom prst="rect">
+            <a:avLst/>
+          </a:prstGeom>
+        </p:spPr>
+      </p:pic>
+      <p:sp>
+        <p:nvSpPr>
+          <p:cNvPr id="35" name="TextBox 34">
+            <a:extLst>
+              <a:ext uri="{FF2B5EF4-FFF2-40B4-BE49-F238E27FC236}">
+                <a16:creationId xmlns:a16="http://schemas.microsoft.com/office/drawing/2014/main" id="{AEF1D54E-5F60-4C21-BF3E-C5A7D0EDEACB}"/>
+              </a:ext>
+            </a:extLst>
+          </p:cNvPr>
+          <p:cNvSpPr txBox="1"/>
+          <p:nvPr/>
+        </p:nvSpPr>
+        <p:spPr>
+          <a:xfrm>
+            <a:off x="9295577" y="3561343"/>
+            <a:ext cx="972534" cy="553998"/>
+          </a:xfrm>
+          <a:prstGeom prst="rect">
+            <a:avLst/>
+          </a:prstGeom>
+          <a:noFill/>
+        </p:spPr>
+        <p:txBody>
+          <a:bodyPr wrap="square" rtlCol="0">
+            <a:spAutoFit/>
+          </a:bodyPr>
+          <a:lstStyle/>
+          <a:p>
+            <a:pPr algn="ctr"/>
+            <a:r>
+              <a:rPr lang="en-US" sz="1500" dirty="0"/>
+              <a:t>Neural network</a:t>
+            </a:r>
+          </a:p>
+        </p:txBody>
+      </p:sp>
       <p:cxnSp>
         <p:nvCxnSpPr>
-          <p:cNvPr id="16" name="Connector: Elbow 15">
-            <a:extLst>
-              <a:ext uri="{FF2B5EF4-FFF2-40B4-BE49-F238E27FC236}">
-                <a16:creationId xmlns:a16="http://schemas.microsoft.com/office/drawing/2014/main" id="{B5D1B1B9-CF58-4AE4-8FC2-C3A0AA1D085A}"/>
+          <p:cNvPr id="11" name="Straight Arrow Connector 10">
+            <a:extLst>
+              <a:ext uri="{FF2B5EF4-FFF2-40B4-BE49-F238E27FC236}">
+                <a16:creationId xmlns:a16="http://schemas.microsoft.com/office/drawing/2014/main" id="{9AA3855F-53F3-4C52-AE6C-A4DF3BF51C5E}"/>
               </a:ext>
             </a:extLst>
           </p:cNvPr>
           <p:cNvCxnSpPr>
-            <a:cxnSpLocks/>
-            <a:stCxn id="5" idx="3"/>
+            <a:stCxn id="6" idx="3"/>
+            <a:endCxn id="7" idx="1"/>
           </p:cNvCxnSpPr>
           <p:nvPr/>
         </p:nvCxnSpPr>
         <p:spPr>
           <a:xfrm>
-            <a:off x="4454164" y="2357487"/>
-            <a:ext cx="3335516" cy="507477"/>
+            <a:off x="3596324" y="3596328"/>
+            <a:ext cx="323651" cy="0"/>
           </a:xfrm>
-          <a:prstGeom prst="bentConnector3">
+          <a:prstGeom prst="straightConnector1">
             <a:avLst/>
           </a:prstGeom>
           <a:ln w="12700">
@@ -4167,25 +4891,26 @@
       </p:cxnSp>
       <p:cxnSp>
         <p:nvCxnSpPr>
-          <p:cNvPr id="19" name="Connector: Elbow 18">
-            <a:extLst>
-              <a:ext uri="{FF2B5EF4-FFF2-40B4-BE49-F238E27FC236}">
-                <a16:creationId xmlns:a16="http://schemas.microsoft.com/office/drawing/2014/main" id="{9EB5CB5A-C9C8-4B6F-BCCC-5F9CD2412FEB}"/>
+          <p:cNvPr id="24" name="Straight Arrow Connector 23">
+            <a:extLst>
+              <a:ext uri="{FF2B5EF4-FFF2-40B4-BE49-F238E27FC236}">
+                <a16:creationId xmlns:a16="http://schemas.microsoft.com/office/drawing/2014/main" id="{187F9060-D97A-43F7-889B-E57B07F824CC}"/>
               </a:ext>
             </a:extLst>
           </p:cNvPr>
           <p:cNvCxnSpPr>
-            <a:stCxn id="6" idx="3"/>
-            <a:endCxn id="7" idx="1"/>
+            <a:cxnSpLocks/>
+            <a:stCxn id="7" idx="3"/>
+            <a:endCxn id="9" idx="1"/>
           </p:cNvCxnSpPr>
           <p:nvPr/>
         </p:nvCxnSpPr>
         <p:spPr>
-          <a:xfrm flipV="1">
-            <a:off x="4454163" y="3122236"/>
-            <a:ext cx="323651" cy="469378"/>
+          <a:xfrm>
+            <a:off x="5087328" y="3596328"/>
+            <a:ext cx="323652" cy="3926"/>
           </a:xfrm>
-          <a:prstGeom prst="bentConnector3">
+          <a:prstGeom prst="straightConnector1">
             <a:avLst/>
           </a:prstGeom>
           <a:ln w="12700">
@@ -4210,27 +4935,85 @@
           </a:fontRef>
         </p:style>
       </p:cxnSp>
+      <p:sp>
+        <p:nvSpPr>
+          <p:cNvPr id="30" name="Rectangle: Rounded Corners 29">
+            <a:extLst>
+              <a:ext uri="{FF2B5EF4-FFF2-40B4-BE49-F238E27FC236}">
+                <a16:creationId xmlns:a16="http://schemas.microsoft.com/office/drawing/2014/main" id="{57E4C9C3-6BD0-4A32-BBB8-AD98A59EF84B}"/>
+              </a:ext>
+            </a:extLst>
+          </p:cNvPr>
+          <p:cNvSpPr/>
+          <p:nvPr/>
+        </p:nvSpPr>
+        <p:spPr>
+          <a:xfrm>
+            <a:off x="6977399" y="3157197"/>
+            <a:ext cx="1230204" cy="878263"/>
+          </a:xfrm>
+          <a:prstGeom prst="roundRect">
+            <a:avLst/>
+          </a:prstGeom>
+          <a:solidFill>
+            <a:schemeClr val="accent6">
+              <a:lumMod val="40000"/>
+              <a:lumOff val="60000"/>
+            </a:schemeClr>
+          </a:solidFill>
+        </p:spPr>
+        <p:style>
+          <a:lnRef idx="2">
+            <a:schemeClr val="accent1">
+              <a:shade val="50000"/>
+            </a:schemeClr>
+          </a:lnRef>
+          <a:fillRef idx="1">
+            <a:schemeClr val="accent1"/>
+          </a:fillRef>
+          <a:effectRef idx="0">
+            <a:schemeClr val="accent1"/>
+          </a:effectRef>
+          <a:fontRef idx="minor">
+            <a:schemeClr val="lt1"/>
+          </a:fontRef>
+        </p:style>
+        <p:txBody>
+          <a:bodyPr rtlCol="0" anchor="ctr"/>
+          <a:lstStyle/>
+          <a:p>
+            <a:pPr algn="ctr"/>
+            <a:r>
+              <a:rPr lang="en-US" sz="1500" dirty="0">
+                <a:solidFill>
+                  <a:schemeClr val="tx1"/>
+                </a:solidFill>
+              </a:rPr>
+              <a:t>Filtering via k-means </a:t>
+            </a:r>
+          </a:p>
+        </p:txBody>
+      </p:sp>
       <p:cxnSp>
         <p:nvCxnSpPr>
-          <p:cNvPr id="21" name="Connector: Elbow 20">
-            <a:extLst>
-              <a:ext uri="{FF2B5EF4-FFF2-40B4-BE49-F238E27FC236}">
-                <a16:creationId xmlns:a16="http://schemas.microsoft.com/office/drawing/2014/main" id="{2119419A-C8EE-4397-97C7-48CFE2F75FF8}"/>
+          <p:cNvPr id="42" name="Straight Arrow Connector 41">
+            <a:extLst>
+              <a:ext uri="{FF2B5EF4-FFF2-40B4-BE49-F238E27FC236}">
+                <a16:creationId xmlns:a16="http://schemas.microsoft.com/office/drawing/2014/main" id="{F3D7F450-D785-4769-8CB1-41730903B793}"/>
               </a:ext>
             </a:extLst>
           </p:cNvPr>
           <p:cNvCxnSpPr>
-            <a:stCxn id="6" idx="3"/>
-            <a:endCxn id="8" idx="1"/>
+            <a:cxnSpLocks/>
           </p:cNvCxnSpPr>
           <p:nvPr/>
         </p:nvCxnSpPr>
         <p:spPr>
           <a:xfrm>
-            <a:off x="4454163" y="3591614"/>
-            <a:ext cx="323651" cy="507475"/>
+            <a:off x="6653747" y="3592402"/>
+            <a:ext cx="323652" cy="3926"/>
           </a:xfrm>
-          <a:prstGeom prst="bentConnector3">
+          <a:prstGeom prst="straightConnector1">
             <a:avLst/>
           </a:prstGeom>
           <a:ln w="12700">
@@ -4257,26 +5040,28 @@
       </p:cxnSp>
       <p:cxnSp>
         <p:nvCxnSpPr>
-          <p:cNvPr id="23" name="Connector: Elbow 22">
-            <a:extLst>
-              <a:ext uri="{FF2B5EF4-FFF2-40B4-BE49-F238E27FC236}">
-                <a16:creationId xmlns:a16="http://schemas.microsoft.com/office/drawing/2014/main" id="{FA825101-D3D2-4AF2-A1D0-FDEBF83F6F52}"/>
+          <p:cNvPr id="44" name="Connector: Elbow 43">
+            <a:extLst>
+              <a:ext uri="{FF2B5EF4-FFF2-40B4-BE49-F238E27FC236}">
+                <a16:creationId xmlns:a16="http://schemas.microsoft.com/office/drawing/2014/main" id="{1E6E019B-FCC2-49B8-AA82-2B7E85169A18}"/>
               </a:ext>
             </a:extLst>
           </p:cNvPr>
           <p:cNvCxnSpPr>
-            <a:stCxn id="7" idx="3"/>
-            <a:endCxn id="9" idx="1"/>
+            <a:cxnSpLocks/>
+            <a:stCxn id="30" idx="3"/>
           </p:cNvCxnSpPr>
           <p:nvPr/>
         </p:nvCxnSpPr>
         <p:spPr>
-          <a:xfrm>
-            <a:off x="5945167" y="3122236"/>
-            <a:ext cx="323652" cy="473304"/>
+          <a:xfrm flipV="1">
+            <a:off x="8207603" y="2856349"/>
+            <a:ext cx="751759" cy="739980"/>
           </a:xfrm>
           <a:prstGeom prst="bentConnector3">
-            <a:avLst/>
+            <a:avLst>
+              <a:gd name="adj1" fmla="val 50000"/>
+            </a:avLst>
           </a:prstGeom>
           <a:ln w="12700">
             <a:solidFill>
@@ -4300,206 +5085,6 @@
           </a:fontRef>
         </p:style>
       </p:cxnSp>
-      <p:cxnSp>
-        <p:nvCxnSpPr>
-          <p:cNvPr id="25" name="Connector: Elbow 24">
-            <a:extLst>
-              <a:ext uri="{FF2B5EF4-FFF2-40B4-BE49-F238E27FC236}">
-                <a16:creationId xmlns:a16="http://schemas.microsoft.com/office/drawing/2014/main" id="{6D642434-B26F-4246-81CC-E31C821514D2}"/>
-              </a:ext>
-            </a:extLst>
-          </p:cNvPr>
-          <p:cNvCxnSpPr>
-            <a:stCxn id="8" idx="3"/>
-            <a:endCxn id="9" idx="1"/>
-          </p:cNvCxnSpPr>
-          <p:nvPr/>
-        </p:nvCxnSpPr>
-        <p:spPr>
-          <a:xfrm flipV="1">
-            <a:off x="5945166" y="3595540"/>
-            <a:ext cx="323653" cy="503549"/>
-          </a:xfrm>
-          <a:prstGeom prst="bentConnector3">
-            <a:avLst/>
-          </a:prstGeom>
-          <a:ln w="12700">
-            <a:solidFill>
-              <a:schemeClr val="tx1"/>
-            </a:solidFill>
-            <a:tailEnd type="triangle"/>
-          </a:ln>
-        </p:spPr>
-        <p:style>
-          <a:lnRef idx="1">
-            <a:schemeClr val="accent1"/>
-          </a:lnRef>
-          <a:fillRef idx="0">
-            <a:schemeClr val="accent1"/>
-          </a:fillRef>
-          <a:effectRef idx="0">
-            <a:schemeClr val="accent1"/>
-          </a:effectRef>
-          <a:fontRef idx="minor">
-            <a:schemeClr val="tx1"/>
-          </a:fontRef>
-        </p:style>
-      </p:cxnSp>
-      <p:cxnSp>
-        <p:nvCxnSpPr>
-          <p:cNvPr id="27" name="Connector: Elbow 26">
-            <a:extLst>
-              <a:ext uri="{FF2B5EF4-FFF2-40B4-BE49-F238E27FC236}">
-                <a16:creationId xmlns:a16="http://schemas.microsoft.com/office/drawing/2014/main" id="{DBC2658D-2FF6-4C2C-99C3-80DF027F4218}"/>
-              </a:ext>
-            </a:extLst>
-          </p:cNvPr>
-          <p:cNvCxnSpPr>
-            <a:cxnSpLocks/>
-            <a:stCxn id="9" idx="3"/>
-          </p:cNvCxnSpPr>
-          <p:nvPr/>
-        </p:nvCxnSpPr>
-        <p:spPr>
-          <a:xfrm flipV="1">
-            <a:off x="7499023" y="2864964"/>
-            <a:ext cx="290657" cy="730576"/>
-          </a:xfrm>
-          <a:prstGeom prst="bentConnector3">
-            <a:avLst/>
-          </a:prstGeom>
-          <a:ln w="12700">
-            <a:solidFill>
-              <a:schemeClr val="tx1"/>
-            </a:solidFill>
-            <a:tailEnd type="triangle"/>
-          </a:ln>
-        </p:spPr>
-        <p:style>
-          <a:lnRef idx="1">
-            <a:schemeClr val="accent1"/>
-          </a:lnRef>
-          <a:fillRef idx="0">
-            <a:schemeClr val="accent1"/>
-          </a:fillRef>
-          <a:effectRef idx="0">
-            <a:schemeClr val="accent1"/>
-          </a:effectRef>
-          <a:fontRef idx="minor">
-            <a:schemeClr val="tx1"/>
-          </a:fontRef>
-        </p:style>
-      </p:cxnSp>
-      <p:sp>
-        <p:nvSpPr>
-          <p:cNvPr id="32" name="TextBox 31">
-            <a:extLst>
-              <a:ext uri="{FF2B5EF4-FFF2-40B4-BE49-F238E27FC236}">
-                <a16:creationId xmlns:a16="http://schemas.microsoft.com/office/drawing/2014/main" id="{B47425A9-BBF0-44E4-B264-483C5C58E20E}"/>
-              </a:ext>
-            </a:extLst>
-          </p:cNvPr>
-          <p:cNvSpPr txBox="1"/>
-          <p:nvPr/>
-        </p:nvSpPr>
-        <p:spPr>
-          <a:xfrm>
-            <a:off x="9412665" y="2683104"/>
-            <a:ext cx="972534" cy="323165"/>
-          </a:xfrm>
-          <a:prstGeom prst="rect">
-            <a:avLst/>
-          </a:prstGeom>
-          <a:noFill/>
-        </p:spPr>
-        <p:txBody>
-          <a:bodyPr wrap="square" rtlCol="0">
-            <a:spAutoFit/>
-          </a:bodyPr>
-          <a:lstStyle/>
-          <a:p>
-            <a:r>
-              <a:rPr lang="en-US" sz="1500" dirty="0"/>
-              <a:t>Returns</a:t>
-            </a:r>
-          </a:p>
-        </p:txBody>
-      </p:sp>
-      <p:pic>
-        <p:nvPicPr>
-          <p:cNvPr id="34" name="Graphic 33">
-            <a:extLst>
-              <a:ext uri="{FF2B5EF4-FFF2-40B4-BE49-F238E27FC236}">
-                <a16:creationId xmlns:a16="http://schemas.microsoft.com/office/drawing/2014/main" id="{EC0FDECD-B511-4FA8-8ABD-FBE50A19AAC3}"/>
-              </a:ext>
-            </a:extLst>
-          </p:cNvPr>
-          <p:cNvPicPr>
-            <a:picLocks noChangeAspect="1"/>
-          </p:cNvPicPr>
-          <p:nvPr/>
-        </p:nvPicPr>
-        <p:blipFill>
-          <a:blip r:embed="rId2">
-            <a:extLst>
-              <a:ext uri="{28A0092B-C50C-407E-A947-70E740481C1C}">
-                <a14:useLocalDpi xmlns:a14="http://schemas.microsoft.com/office/drawing/2010/main" val="0"/>
-              </a:ext>
-              <a:ext uri="{96DAC541-7B7A-43D3-8B79-37D633B846F1}">
-                <asvg:svgBlip xmlns:asvg="http://schemas.microsoft.com/office/drawing/2016/SVG/main" r:embed="rId3"/>
-              </a:ext>
-            </a:extLst>
-          </a:blip>
-          <a:stretch>
-            <a:fillRect/>
-          </a:stretch>
-        </p:blipFill>
-        <p:spPr>
-          <a:xfrm>
-            <a:off x="7723703" y="1918355"/>
-            <a:ext cx="1756532" cy="2317708"/>
-          </a:xfrm>
-          <a:prstGeom prst="rect">
-            <a:avLst/>
-          </a:prstGeom>
-        </p:spPr>
-      </p:pic>
-      <p:sp>
-        <p:nvSpPr>
-          <p:cNvPr id="35" name="TextBox 34">
-            <a:extLst>
-              <a:ext uri="{FF2B5EF4-FFF2-40B4-BE49-F238E27FC236}">
-                <a16:creationId xmlns:a16="http://schemas.microsoft.com/office/drawing/2014/main" id="{AEF1D54E-5F60-4C21-BF3E-C5A7D0EDEACB}"/>
-              </a:ext>
-            </a:extLst>
-          </p:cNvPr>
-          <p:cNvSpPr txBox="1"/>
-          <p:nvPr/>
-        </p:nvSpPr>
-        <p:spPr>
-          <a:xfrm>
-            <a:off x="8115702" y="3568352"/>
-            <a:ext cx="972534" cy="553998"/>
-          </a:xfrm>
-          <a:prstGeom prst="rect">
-            <a:avLst/>
-          </a:prstGeom>
-          <a:noFill/>
-        </p:spPr>
-        <p:txBody>
-          <a:bodyPr wrap="square" rtlCol="0">
-            <a:spAutoFit/>
-          </a:bodyPr>
-          <a:lstStyle/>
-          <a:p>
-            <a:pPr algn="ctr"/>
-            <a:r>
-              <a:rPr lang="en-US" sz="1500" dirty="0"/>
-              <a:t>Neural network</a:t>
-            </a:r>
-          </a:p>
-        </p:txBody>
-      </p:sp>
     </p:spTree>
     <p:extLst>
       <p:ext uri="{BB962C8B-B14F-4D97-AF65-F5344CB8AC3E}">
@@ -4544,7 +5129,7 @@
         </p:nvSpPr>
         <p:spPr>
           <a:xfrm>
-            <a:off x="2290713" y="2837468"/>
+            <a:off x="1447751" y="2818418"/>
             <a:ext cx="1305612" cy="848413"/>
           </a:xfrm>
           <a:prstGeom prst="roundRect">
@@ -4601,7 +5186,7 @@
         </p:nvSpPr>
         <p:spPr>
           <a:xfrm>
-            <a:off x="2443113" y="2989868"/>
+            <a:off x="1600151" y="2970818"/>
             <a:ext cx="1305612" cy="848413"/>
           </a:xfrm>
           <a:prstGeom prst="roundRect">
@@ -4658,7 +5243,7 @@
         </p:nvSpPr>
         <p:spPr>
           <a:xfrm>
-            <a:off x="2595513" y="3142268"/>
+            <a:off x="1752551" y="3123218"/>
             <a:ext cx="1305612" cy="848413"/>
           </a:xfrm>
           <a:prstGeom prst="roundRect">
@@ -4722,7 +5307,7 @@
         </p:nvSpPr>
         <p:spPr>
           <a:xfrm>
-            <a:off x="4479303" y="3187045"/>
+            <a:off x="3436746" y="3167995"/>
             <a:ext cx="876693" cy="498836"/>
           </a:xfrm>
           <a:prstGeom prst="roundRect">
@@ -4779,7 +5364,7 @@
         </p:nvSpPr>
         <p:spPr>
           <a:xfrm>
-            <a:off x="4631703" y="3339445"/>
+            <a:off x="3589146" y="3320395"/>
             <a:ext cx="876693" cy="498836"/>
           </a:xfrm>
           <a:prstGeom prst="roundRect">
@@ -4836,7 +5421,7 @@
         </p:nvSpPr>
         <p:spPr>
           <a:xfrm>
-            <a:off x="4784103" y="3491845"/>
+            <a:off x="3741546" y="3472795"/>
             <a:ext cx="876693" cy="498836"/>
           </a:xfrm>
           <a:prstGeom prst="roundRect">
@@ -4900,7 +5485,7 @@
         </p:nvSpPr>
         <p:spPr>
           <a:xfrm>
-            <a:off x="6142917" y="3242427"/>
+            <a:off x="6631375" y="3223375"/>
             <a:ext cx="876693" cy="498836"/>
           </a:xfrm>
           <a:prstGeom prst="roundRect">
@@ -4965,9 +5550,9 @@
           <p:nvPr/>
         </p:nvCxnSpPr>
         <p:spPr>
-          <a:xfrm>
-            <a:off x="3901125" y="3491845"/>
-            <a:ext cx="578178" cy="0"/>
+          <a:xfrm flipV="1">
+            <a:off x="3058163" y="3472792"/>
+            <a:ext cx="375600" cy="3"/>
           </a:xfrm>
           <a:prstGeom prst="straightConnector1">
             <a:avLst/>
@@ -5011,7 +5596,7 @@
         </p:nvCxnSpPr>
         <p:spPr>
           <a:xfrm>
-            <a:off x="5611873" y="3491845"/>
+            <a:off x="6100331" y="3472793"/>
             <a:ext cx="531044" cy="0"/>
           </a:xfrm>
           <a:prstGeom prst="straightConnector1">
@@ -5053,7 +5638,7 @@
         </p:nvSpPr>
         <p:spPr>
           <a:xfrm rot="14547239">
-            <a:off x="5996800" y="2557838"/>
+            <a:off x="6485258" y="2538786"/>
             <a:ext cx="1143786" cy="1107596"/>
           </a:xfrm>
           <a:prstGeom prst="arc">
@@ -5103,14 +5688,16 @@
             </a:extLst>
           </p:cNvPr>
           <p:cNvCxnSpPr>
+            <a:cxnSpLocks/>
             <a:stCxn id="10" idx="3"/>
+            <a:endCxn id="32" idx="1"/>
           </p:cNvCxnSpPr>
           <p:nvPr/>
         </p:nvCxnSpPr>
         <p:spPr>
           <a:xfrm>
-            <a:off x="7019610" y="3491845"/>
-            <a:ext cx="581318" cy="0"/>
+            <a:off x="7508068" y="3472793"/>
+            <a:ext cx="373848" cy="0"/>
           </a:xfrm>
           <a:prstGeom prst="straightConnector1">
             <a:avLst/>
@@ -5151,7 +5738,7 @@
         </p:nvSpPr>
         <p:spPr>
           <a:xfrm>
-            <a:off x="7600928" y="3214932"/>
+            <a:off x="7881916" y="3195880"/>
             <a:ext cx="1060515" cy="553825"/>
           </a:xfrm>
           <a:prstGeom prst="roundRect">
@@ -5229,7 +5816,7 @@
         </p:nvCxnSpPr>
         <p:spPr>
           <a:xfrm flipV="1">
-            <a:off x="8661443" y="3491844"/>
+            <a:off x="8942431" y="3472792"/>
             <a:ext cx="443060" cy="1"/>
           </a:xfrm>
           <a:prstGeom prst="straightConnector1">
@@ -5271,7 +5858,7 @@
         </p:nvCxnSpPr>
         <p:spPr>
           <a:xfrm flipV="1">
-            <a:off x="1851472" y="3491843"/>
+            <a:off x="1008510" y="3472793"/>
             <a:ext cx="443060" cy="1"/>
           </a:xfrm>
           <a:prstGeom prst="straightConnector1">
@@ -5313,7 +5900,7 @@
         </p:nvSpPr>
         <p:spPr>
           <a:xfrm>
-            <a:off x="8982172" y="3242427"/>
+            <a:off x="10806113" y="3210825"/>
             <a:ext cx="1228629" cy="553998"/>
           </a:xfrm>
           <a:prstGeom prst="rect">
@@ -5330,7 +5917,7 @@
             <a:pPr algn="ctr"/>
             <a:r>
               <a:rPr lang="en-US" sz="1500" dirty="0"/>
-              <a:t>Return prediction</a:t>
+              <a:t>Return classification</a:t>
             </a:r>
           </a:p>
         </p:txBody>
@@ -5349,7 +5936,7 @@
         </p:nvSpPr>
         <p:spPr>
           <a:xfrm>
-            <a:off x="785347" y="3330260"/>
+            <a:off x="-57615" y="3311210"/>
             <a:ext cx="1228629" cy="323165"/>
           </a:xfrm>
           <a:prstGeom prst="rect">
@@ -5371,6 +5958,358 @@
           </a:p>
         </p:txBody>
       </p:sp>
+      <p:sp>
+        <p:nvSpPr>
+          <p:cNvPr id="25" name="Rectangle: Rounded Corners 24">
+            <a:extLst>
+              <a:ext uri="{FF2B5EF4-FFF2-40B4-BE49-F238E27FC236}">
+                <a16:creationId xmlns:a16="http://schemas.microsoft.com/office/drawing/2014/main" id="{11F9D997-CD89-4160-903E-9C8ECEB6CDBF}"/>
+              </a:ext>
+            </a:extLst>
+          </p:cNvPr>
+          <p:cNvSpPr/>
+          <p:nvPr/>
+        </p:nvSpPr>
+        <p:spPr>
+          <a:xfrm>
+            <a:off x="5043291" y="3195880"/>
+            <a:ext cx="1060515" cy="553825"/>
+          </a:xfrm>
+          <a:prstGeom prst="roundRect">
+            <a:avLst/>
+          </a:prstGeom>
+          <a:solidFill>
+            <a:schemeClr val="bg2"/>
+          </a:solidFill>
+          <a:ln>
+            <a:solidFill>
+              <a:schemeClr val="tx1"/>
+            </a:solidFill>
+          </a:ln>
+        </p:spPr>
+        <p:style>
+          <a:lnRef idx="2">
+            <a:schemeClr val="accent1">
+              <a:shade val="50000"/>
+            </a:schemeClr>
+          </a:lnRef>
+          <a:fillRef idx="1">
+            <a:schemeClr val="accent1"/>
+          </a:fillRef>
+          <a:effectRef idx="0">
+            <a:schemeClr val="accent1"/>
+          </a:effectRef>
+          <a:fontRef idx="minor">
+            <a:schemeClr val="lt1"/>
+          </a:fontRef>
+        </p:style>
+        <p:txBody>
+          <a:bodyPr rtlCol="0" anchor="ctr"/>
+          <a:lstStyle/>
+          <a:p>
+            <a:pPr algn="ctr"/>
+            <a:r>
+              <a:rPr lang="en-US" sz="1500" dirty="0">
+                <a:solidFill>
+                  <a:schemeClr val="tx1"/>
+                </a:solidFill>
+              </a:rPr>
+              <a:t>Fully</a:t>
+            </a:r>
+            <a:br>
+              <a:rPr lang="en-US" sz="1500" dirty="0">
+                <a:solidFill>
+                  <a:schemeClr val="tx1"/>
+                </a:solidFill>
+              </a:rPr>
+            </a:br>
+            <a:r>
+              <a:rPr lang="en-US" sz="1500" dirty="0">
+                <a:solidFill>
+                  <a:schemeClr val="tx1"/>
+                </a:solidFill>
+              </a:rPr>
+              <a:t>connected</a:t>
+            </a:r>
+          </a:p>
+        </p:txBody>
+      </p:sp>
+      <p:cxnSp>
+        <p:nvCxnSpPr>
+          <p:cNvPr id="27" name="Straight Arrow Connector 26">
+            <a:extLst>
+              <a:ext uri="{FF2B5EF4-FFF2-40B4-BE49-F238E27FC236}">
+                <a16:creationId xmlns:a16="http://schemas.microsoft.com/office/drawing/2014/main" id="{65F70118-54E5-44CD-8475-E86CED82F033}"/>
+              </a:ext>
+            </a:extLst>
+          </p:cNvPr>
+          <p:cNvCxnSpPr>
+            <a:cxnSpLocks/>
+          </p:cNvCxnSpPr>
+          <p:nvPr/>
+        </p:nvCxnSpPr>
+        <p:spPr>
+          <a:xfrm>
+            <a:off x="4512247" y="3472792"/>
+            <a:ext cx="531044" cy="0"/>
+          </a:xfrm>
+          <a:prstGeom prst="straightConnector1">
+            <a:avLst/>
+          </a:prstGeom>
+          <a:ln w="12700">
+            <a:solidFill>
+              <a:schemeClr val="tx1"/>
+            </a:solidFill>
+            <a:tailEnd type="triangle"/>
+          </a:ln>
+        </p:spPr>
+        <p:style>
+          <a:lnRef idx="1">
+            <a:schemeClr val="accent1"/>
+          </a:lnRef>
+          <a:fillRef idx="0">
+            <a:schemeClr val="accent1"/>
+          </a:fillRef>
+          <a:effectRef idx="0">
+            <a:schemeClr val="accent1"/>
+          </a:effectRef>
+          <a:fontRef idx="minor">
+            <a:schemeClr val="tx1"/>
+          </a:fontRef>
+        </p:style>
+      </p:cxnSp>
+      <p:sp>
+        <p:nvSpPr>
+          <p:cNvPr id="11" name="TextBox 10">
+            <a:extLst>
+              <a:ext uri="{FF2B5EF4-FFF2-40B4-BE49-F238E27FC236}">
+                <a16:creationId xmlns:a16="http://schemas.microsoft.com/office/drawing/2014/main" id="{2776E151-7954-4976-8D4D-AB363BBBB424}"/>
+              </a:ext>
+            </a:extLst>
+          </p:cNvPr>
+          <p:cNvSpPr txBox="1"/>
+          <p:nvPr/>
+        </p:nvSpPr>
+        <p:spPr>
+          <a:xfrm>
+            <a:off x="5946537" y="3885656"/>
+            <a:ext cx="838632" cy="323165"/>
+          </a:xfrm>
+          <a:prstGeom prst="rect">
+            <a:avLst/>
+          </a:prstGeom>
+          <a:noFill/>
+          <a:ln>
+            <a:solidFill>
+              <a:schemeClr val="tx1"/>
+            </a:solidFill>
+            <a:prstDash val="dash"/>
+          </a:ln>
+        </p:spPr>
+        <p:txBody>
+          <a:bodyPr wrap="square" rtlCol="0">
+            <a:spAutoFit/>
+          </a:bodyPr>
+          <a:lstStyle/>
+          <a:p>
+            <a:r>
+              <a:rPr lang="en-US" sz="1500" dirty="0"/>
+              <a:t>Dropout</a:t>
+            </a:r>
+          </a:p>
+        </p:txBody>
+      </p:sp>
+      <p:sp>
+        <p:nvSpPr>
+          <p:cNvPr id="30" name="TextBox 29">
+            <a:extLst>
+              <a:ext uri="{FF2B5EF4-FFF2-40B4-BE49-F238E27FC236}">
+                <a16:creationId xmlns:a16="http://schemas.microsoft.com/office/drawing/2014/main" id="{0B0885C5-9A30-4BBE-B2E9-C12D9942A861}"/>
+              </a:ext>
+            </a:extLst>
+          </p:cNvPr>
+          <p:cNvSpPr txBox="1"/>
+          <p:nvPr/>
+        </p:nvSpPr>
+        <p:spPr>
+          <a:xfrm>
+            <a:off x="6534744" y="1845981"/>
+            <a:ext cx="1044813" cy="553998"/>
+          </a:xfrm>
+          <a:prstGeom prst="rect">
+            <a:avLst/>
+          </a:prstGeom>
+          <a:noFill/>
+          <a:ln>
+            <a:solidFill>
+              <a:schemeClr val="tx1"/>
+            </a:solidFill>
+            <a:prstDash val="dash"/>
+          </a:ln>
+        </p:spPr>
+        <p:txBody>
+          <a:bodyPr wrap="square" rtlCol="0">
+            <a:spAutoFit/>
+          </a:bodyPr>
+          <a:lstStyle/>
+          <a:p>
+            <a:pPr algn="ctr"/>
+            <a:r>
+              <a:rPr lang="en-US" sz="1500" dirty="0"/>
+              <a:t>Recurrent dropout</a:t>
+            </a:r>
+          </a:p>
+        </p:txBody>
+      </p:sp>
+      <p:sp>
+        <p:nvSpPr>
+          <p:cNvPr id="33" name="TextBox 32">
+            <a:extLst>
+              <a:ext uri="{FF2B5EF4-FFF2-40B4-BE49-F238E27FC236}">
+                <a16:creationId xmlns:a16="http://schemas.microsoft.com/office/drawing/2014/main" id="{3C6491F1-ACC2-4025-8F06-8A43CAC84E05}"/>
+              </a:ext>
+            </a:extLst>
+          </p:cNvPr>
+          <p:cNvSpPr txBox="1"/>
+          <p:nvPr/>
+        </p:nvSpPr>
+        <p:spPr>
+          <a:xfrm>
+            <a:off x="8744645" y="3885655"/>
+            <a:ext cx="838632" cy="323165"/>
+          </a:xfrm>
+          <a:prstGeom prst="rect">
+            <a:avLst/>
+          </a:prstGeom>
+          <a:noFill/>
+          <a:ln>
+            <a:solidFill>
+              <a:schemeClr val="tx1"/>
+            </a:solidFill>
+            <a:prstDash val="dash"/>
+          </a:ln>
+        </p:spPr>
+        <p:txBody>
+          <a:bodyPr wrap="square" rtlCol="0">
+            <a:spAutoFit/>
+          </a:bodyPr>
+          <a:lstStyle/>
+          <a:p>
+            <a:r>
+              <a:rPr lang="en-US" sz="1500" dirty="0"/>
+              <a:t>Dropout</a:t>
+            </a:r>
+          </a:p>
+        </p:txBody>
+      </p:sp>
+      <p:sp>
+        <p:nvSpPr>
+          <p:cNvPr id="38" name="Rectangle: Rounded Corners 37">
+            <a:extLst>
+              <a:ext uri="{FF2B5EF4-FFF2-40B4-BE49-F238E27FC236}">
+                <a16:creationId xmlns:a16="http://schemas.microsoft.com/office/drawing/2014/main" id="{36D8A1EE-901E-47F5-A470-684663B4E882}"/>
+              </a:ext>
+            </a:extLst>
+          </p:cNvPr>
+          <p:cNvSpPr/>
+          <p:nvPr/>
+        </p:nvSpPr>
+        <p:spPr>
+          <a:xfrm>
+            <a:off x="9389039" y="3195880"/>
+            <a:ext cx="1060515" cy="553825"/>
+          </a:xfrm>
+          <a:prstGeom prst="roundRect">
+            <a:avLst/>
+          </a:prstGeom>
+          <a:solidFill>
+            <a:schemeClr val="accent4">
+              <a:lumMod val="20000"/>
+              <a:lumOff val="80000"/>
+            </a:schemeClr>
+          </a:solidFill>
+          <a:ln>
+            <a:solidFill>
+              <a:schemeClr val="tx1"/>
+            </a:solidFill>
+          </a:ln>
+        </p:spPr>
+        <p:style>
+          <a:lnRef idx="2">
+            <a:schemeClr val="accent1">
+              <a:shade val="50000"/>
+            </a:schemeClr>
+          </a:lnRef>
+          <a:fillRef idx="1">
+            <a:schemeClr val="accent1"/>
+          </a:fillRef>
+          <a:effectRef idx="0">
+            <a:schemeClr val="accent1"/>
+          </a:effectRef>
+          <a:fontRef idx="minor">
+            <a:schemeClr val="lt1"/>
+          </a:fontRef>
+        </p:style>
+        <p:txBody>
+          <a:bodyPr rtlCol="0" anchor="ctr"/>
+          <a:lstStyle/>
+          <a:p>
+            <a:pPr algn="ctr"/>
+            <a:r>
+              <a:rPr lang="en-US" sz="1500" dirty="0">
+                <a:solidFill>
+                  <a:schemeClr val="tx1"/>
+                </a:solidFill>
+              </a:rPr>
+              <a:t>Softmax</a:t>
+            </a:r>
+          </a:p>
+        </p:txBody>
+      </p:sp>
+      <p:cxnSp>
+        <p:nvCxnSpPr>
+          <p:cNvPr id="39" name="Straight Arrow Connector 38">
+            <a:extLst>
+              <a:ext uri="{FF2B5EF4-FFF2-40B4-BE49-F238E27FC236}">
+                <a16:creationId xmlns:a16="http://schemas.microsoft.com/office/drawing/2014/main" id="{B13DC2CB-0D4B-4AC6-A12F-2DD33E4B4B32}"/>
+              </a:ext>
+            </a:extLst>
+          </p:cNvPr>
+          <p:cNvCxnSpPr>
+            <a:cxnSpLocks/>
+          </p:cNvCxnSpPr>
+          <p:nvPr/>
+        </p:nvCxnSpPr>
+        <p:spPr>
+          <a:xfrm flipV="1">
+            <a:off x="10464656" y="3487824"/>
+            <a:ext cx="341457" cy="1"/>
+          </a:xfrm>
+          <a:prstGeom prst="straightConnector1">
+            <a:avLst/>
+          </a:prstGeom>
+          <a:ln w="12700">
+            <a:solidFill>
+              <a:schemeClr val="tx1"/>
+            </a:solidFill>
+            <a:tailEnd type="triangle"/>
+          </a:ln>
+        </p:spPr>
+        <p:style>
+          <a:lnRef idx="1">
+            <a:schemeClr val="accent1"/>
+          </a:lnRef>
+          <a:fillRef idx="0">
+            <a:schemeClr val="accent1"/>
+          </a:fillRef>
+          <a:effectRef idx="0">
+            <a:schemeClr val="accent1"/>
+          </a:effectRef>
+          <a:fontRef idx="minor">
+            <a:schemeClr val="tx1"/>
+          </a:fontRef>
+        </p:style>
+      </p:cxnSp>
     </p:spTree>
     <p:extLst>
       <p:ext uri="{BB962C8B-B14F-4D97-AF65-F5344CB8AC3E}">
